--- a/report/figs.pptx
+++ b/report/figs.pptx
@@ -3338,94 +3338,190 @@
           <a:chExt cx="0" cy="0"/>
         </a:xfrm>
       </p:grpSpPr>
-      <p:sp>
-        <p:nvSpPr>
-          <p:cNvPr id="4" name="Rectangle 3"/>
-          <p:cNvSpPr/>
+      <p:grpSp>
+        <p:nvGrpSpPr>
+          <p:cNvPr id="16" name="Group 15"/>
+          <p:cNvGrpSpPr/>
           <p:nvPr/>
-        </p:nvSpPr>
-        <p:spPr>
+        </p:nvGrpSpPr>
+        <p:grpSpPr>
           <a:xfrm>
-            <a:off x="1749287" y="2580861"/>
-            <a:ext cx="3313043" cy="1696278"/>
+            <a:off x="1908313" y="2618961"/>
+            <a:ext cx="8302487" cy="1696278"/>
+            <a:chOff x="1908313" y="2618961"/>
+            <a:chExt cx="8302487" cy="1696278"/>
           </a:xfrm>
-          <a:prstGeom prst="rect">
-            <a:avLst/>
-          </a:prstGeom>
-        </p:spPr>
-        <p:style>
-          <a:lnRef idx="2">
-            <a:schemeClr val="accent1">
-              <a:shade val="50000"/>
-            </a:schemeClr>
-          </a:lnRef>
-          <a:fillRef idx="1">
-            <a:schemeClr val="accent1"/>
-          </a:fillRef>
-          <a:effectRef idx="0">
-            <a:schemeClr val="accent1"/>
-          </a:effectRef>
-          <a:fontRef idx="minor">
-            <a:schemeClr val="lt1"/>
-          </a:fontRef>
-        </p:style>
-        <p:txBody>
-          <a:bodyPr rtlCol="0" anchor="ctr"/>
-          <a:lstStyle/>
-          <a:p>
-            <a:pPr algn="ctr"/>
-            <a:r>
-              <a:rPr lang="en-US" dirty="0" smtClean="0"/>
-              <a:t>Initialize</a:t>
-            </a:r>
-            <a:endParaRPr lang="en-US" dirty="0"/>
-          </a:p>
-        </p:txBody>
-      </p:sp>
-      <p:sp>
-        <p:nvSpPr>
-          <p:cNvPr id="5" name="Rectangle 4"/>
-          <p:cNvSpPr/>
-          <p:nvPr/>
-        </p:nvSpPr>
-        <p:spPr>
-          <a:xfrm>
-            <a:off x="7282070" y="2580861"/>
-            <a:ext cx="3313043" cy="1696278"/>
-          </a:xfrm>
-          <a:prstGeom prst="rect">
-            <a:avLst/>
-          </a:prstGeom>
-        </p:spPr>
-        <p:style>
-          <a:lnRef idx="2">
-            <a:schemeClr val="accent1">
-              <a:shade val="50000"/>
-            </a:schemeClr>
-          </a:lnRef>
-          <a:fillRef idx="1">
-            <a:schemeClr val="accent1"/>
-          </a:fillRef>
-          <a:effectRef idx="0">
-            <a:schemeClr val="accent1"/>
-          </a:effectRef>
-          <a:fontRef idx="minor">
-            <a:schemeClr val="lt1"/>
-          </a:fontRef>
-        </p:style>
-        <p:txBody>
-          <a:bodyPr rtlCol="0" anchor="ctr"/>
-          <a:lstStyle/>
-          <a:p>
-            <a:pPr algn="ctr"/>
-            <a:r>
-              <a:rPr lang="en-US" dirty="0" smtClean="0"/>
-              <a:t>Run Pipeline</a:t>
-            </a:r>
-            <a:endParaRPr lang="en-US" dirty="0"/>
-          </a:p>
-        </p:txBody>
-      </p:sp>
+        </p:grpSpPr>
+        <p:sp>
+          <p:nvSpPr>
+            <p:cNvPr id="4" name="Rectangle 3"/>
+            <p:cNvSpPr/>
+            <p:nvPr/>
+          </p:nvSpPr>
+          <p:spPr>
+            <a:xfrm>
+              <a:off x="1908313" y="2618961"/>
+              <a:ext cx="3313043" cy="1696278"/>
+            </a:xfrm>
+            <a:prstGeom prst="rect">
+              <a:avLst/>
+            </a:prstGeom>
+          </p:spPr>
+          <p:style>
+            <a:lnRef idx="2">
+              <a:schemeClr val="accent1">
+                <a:shade val="50000"/>
+              </a:schemeClr>
+            </a:lnRef>
+            <a:fillRef idx="1">
+              <a:schemeClr val="accent1"/>
+            </a:fillRef>
+            <a:effectRef idx="0">
+              <a:schemeClr val="accent1"/>
+            </a:effectRef>
+            <a:fontRef idx="minor">
+              <a:schemeClr val="lt1"/>
+            </a:fontRef>
+          </p:style>
+          <p:txBody>
+            <a:bodyPr rtlCol="0" anchor="ctr"/>
+            <a:lstStyle/>
+            <a:p>
+              <a:pPr algn="ctr"/>
+              <a:r>
+                <a:rPr lang="en-US" dirty="0" smtClean="0"/>
+                <a:t>Initialize</a:t>
+              </a:r>
+              <a:endParaRPr lang="en-US" dirty="0"/>
+            </a:p>
+          </p:txBody>
+        </p:sp>
+        <p:sp>
+          <p:nvSpPr>
+            <p:cNvPr id="5" name="Rectangle 4"/>
+            <p:cNvSpPr/>
+            <p:nvPr/>
+          </p:nvSpPr>
+          <p:spPr>
+            <a:xfrm>
+              <a:off x="6897757" y="2618961"/>
+              <a:ext cx="3313043" cy="1696278"/>
+            </a:xfrm>
+            <a:prstGeom prst="rect">
+              <a:avLst/>
+            </a:prstGeom>
+          </p:spPr>
+          <p:style>
+            <a:lnRef idx="2">
+              <a:schemeClr val="accent1">
+                <a:shade val="50000"/>
+              </a:schemeClr>
+            </a:lnRef>
+            <a:fillRef idx="1">
+              <a:schemeClr val="accent1"/>
+            </a:fillRef>
+            <a:effectRef idx="0">
+              <a:schemeClr val="accent1"/>
+            </a:effectRef>
+            <a:fontRef idx="minor">
+              <a:schemeClr val="lt1"/>
+            </a:fontRef>
+          </p:style>
+          <p:txBody>
+            <a:bodyPr rtlCol="0" anchor="ctr"/>
+            <a:lstStyle/>
+            <a:p>
+              <a:pPr algn="ctr"/>
+              <a:r>
+                <a:rPr lang="en-US" dirty="0" smtClean="0"/>
+                <a:t>Run Pipeline</a:t>
+              </a:r>
+              <a:endParaRPr lang="en-US" dirty="0"/>
+            </a:p>
+          </p:txBody>
+        </p:sp>
+        <p:cxnSp>
+          <p:nvCxnSpPr>
+            <p:cNvPr id="6" name="Straight Arrow Connector 5"/>
+            <p:cNvCxnSpPr>
+              <a:stCxn id="4" idx="3"/>
+              <a:endCxn id="5" idx="1"/>
+            </p:cNvCxnSpPr>
+            <p:nvPr/>
+          </p:nvCxnSpPr>
+          <p:spPr>
+            <a:xfrm>
+              <a:off x="5221356" y="3467100"/>
+              <a:ext cx="1676401" cy="0"/>
+            </a:xfrm>
+            <a:prstGeom prst="straightConnector1">
+              <a:avLst/>
+            </a:prstGeom>
+            <a:ln w="38100">
+              <a:solidFill>
+                <a:schemeClr val="tx1"/>
+              </a:solidFill>
+              <a:tailEnd type="triangle"/>
+            </a:ln>
+          </p:spPr>
+          <p:style>
+            <a:lnRef idx="1">
+              <a:schemeClr val="accent1"/>
+            </a:lnRef>
+            <a:fillRef idx="0">
+              <a:schemeClr val="accent1"/>
+            </a:fillRef>
+            <a:effectRef idx="0">
+              <a:schemeClr val="accent1"/>
+            </a:effectRef>
+            <a:fontRef idx="minor">
+              <a:schemeClr val="tx1"/>
+            </a:fontRef>
+          </p:style>
+        </p:cxnSp>
+        <p:cxnSp>
+          <p:nvCxnSpPr>
+            <p:cNvPr id="9" name="Elbow Connector 8"/>
+            <p:cNvCxnSpPr>
+              <a:stCxn id="5" idx="3"/>
+              <a:endCxn id="5" idx="2"/>
+            </p:cNvCxnSpPr>
+            <p:nvPr/>
+          </p:nvCxnSpPr>
+          <p:spPr>
+            <a:xfrm flipH="1">
+              <a:off x="8554279" y="3467100"/>
+              <a:ext cx="1656521" cy="848139"/>
+            </a:xfrm>
+            <a:prstGeom prst="bentConnector4">
+              <a:avLst>
+                <a:gd name="adj1" fmla="val -45000"/>
+                <a:gd name="adj2" fmla="val 187890"/>
+              </a:avLst>
+            </a:prstGeom>
+            <a:ln w="38100">
+              <a:solidFill>
+                <a:schemeClr val="tx1"/>
+              </a:solidFill>
+              <a:tailEnd type="triangle"/>
+            </a:ln>
+          </p:spPr>
+          <p:style>
+            <a:lnRef idx="1">
+              <a:schemeClr val="accent1"/>
+            </a:lnRef>
+            <a:fillRef idx="0">
+              <a:schemeClr val="accent1"/>
+            </a:fillRef>
+            <a:effectRef idx="0">
+              <a:schemeClr val="accent1"/>
+            </a:effectRef>
+            <a:fontRef idx="minor">
+              <a:schemeClr val="tx1"/>
+            </a:fontRef>
+          </p:style>
+        </p:cxnSp>
+      </p:grpSp>
     </p:spTree>
     <p:extLst>
       <p:ext uri="{BB962C8B-B14F-4D97-AF65-F5344CB8AC3E}">
@@ -3456,273 +3552,188 @@
           <a:chExt cx="0" cy="0"/>
         </a:xfrm>
       </p:grpSpPr>
-      <p:sp>
-        <p:nvSpPr>
-          <p:cNvPr id="69" name="Rectangle 68"/>
-          <p:cNvSpPr/>
-          <p:nvPr/>
-        </p:nvSpPr>
-        <p:spPr>
-          <a:xfrm>
-            <a:off x="2203983" y="1938027"/>
-            <a:ext cx="7234056" cy="3394832"/>
-          </a:xfrm>
-          <a:prstGeom prst="rect">
-            <a:avLst/>
-          </a:prstGeom>
-          <a:solidFill>
-            <a:schemeClr val="accent6">
-              <a:lumMod val="75000"/>
-            </a:schemeClr>
-          </a:solidFill>
-        </p:spPr>
-        <p:style>
-          <a:lnRef idx="2">
-            <a:schemeClr val="accent1">
-              <a:shade val="50000"/>
-            </a:schemeClr>
-          </a:lnRef>
-          <a:fillRef idx="1">
-            <a:schemeClr val="accent1"/>
-          </a:fillRef>
-          <a:effectRef idx="0">
-            <a:schemeClr val="accent1"/>
-          </a:effectRef>
-          <a:fontRef idx="minor">
-            <a:schemeClr val="lt1"/>
-          </a:fontRef>
-        </p:style>
-        <p:txBody>
-          <a:bodyPr rtlCol="0" anchor="t"/>
-          <a:lstStyle/>
-          <a:p>
-            <a:pPr algn="ctr"/>
-            <a:r>
-              <a:rPr lang="en-US" sz="2400" dirty="0" smtClean="0"/>
-              <a:t>Initialize Pipeline</a:t>
-            </a:r>
-            <a:endParaRPr lang="en-US" sz="2400" dirty="0"/>
-          </a:p>
-        </p:txBody>
-      </p:sp>
-      <p:sp>
-        <p:nvSpPr>
-          <p:cNvPr id="2" name="Rectangle 1"/>
-          <p:cNvSpPr/>
-          <p:nvPr/>
-        </p:nvSpPr>
-        <p:spPr>
-          <a:xfrm>
-            <a:off x="452240" y="3325878"/>
-            <a:ext cx="1139687" cy="834887"/>
-          </a:xfrm>
-          <a:prstGeom prst="rect">
-            <a:avLst/>
-          </a:prstGeom>
-          <a:solidFill>
-            <a:schemeClr val="accent2"/>
-          </a:solidFill>
-        </p:spPr>
-        <p:style>
-          <a:lnRef idx="2">
-            <a:schemeClr val="accent1">
-              <a:shade val="50000"/>
-            </a:schemeClr>
-          </a:lnRef>
-          <a:fillRef idx="1">
-            <a:schemeClr val="accent1"/>
-          </a:fillRef>
-          <a:effectRef idx="0">
-            <a:schemeClr val="accent1"/>
-          </a:effectRef>
-          <a:fontRef idx="minor">
-            <a:schemeClr val="lt1"/>
-          </a:fontRef>
-        </p:style>
-        <p:txBody>
-          <a:bodyPr rtlCol="0" anchor="ctr"/>
-          <a:lstStyle/>
-          <a:p>
-            <a:pPr algn="ctr"/>
-            <a:r>
-              <a:rPr lang="en-US" dirty="0" err="1" smtClean="0"/>
-              <a:t>Im</a:t>
-            </a:r>
-            <a:r>
-              <a:rPr lang="en-US" dirty="0" smtClean="0"/>
-              <a:t> 0</a:t>
-            </a:r>
-            <a:endParaRPr lang="en-US" dirty="0"/>
-          </a:p>
-        </p:txBody>
-      </p:sp>
-      <p:sp>
-        <p:nvSpPr>
-          <p:cNvPr id="3" name="Rectangle 2"/>
-          <p:cNvSpPr/>
-          <p:nvPr/>
-        </p:nvSpPr>
-        <p:spPr>
-          <a:xfrm>
-            <a:off x="452239" y="4405930"/>
-            <a:ext cx="1139687" cy="834887"/>
-          </a:xfrm>
-          <a:prstGeom prst="rect">
-            <a:avLst/>
-          </a:prstGeom>
-          <a:solidFill>
-            <a:schemeClr val="accent2"/>
-          </a:solidFill>
-        </p:spPr>
-        <p:style>
-          <a:lnRef idx="2">
-            <a:schemeClr val="accent1">
-              <a:shade val="50000"/>
-            </a:schemeClr>
-          </a:lnRef>
-          <a:fillRef idx="1">
-            <a:schemeClr val="accent1"/>
-          </a:fillRef>
-          <a:effectRef idx="0">
-            <a:schemeClr val="accent1"/>
-          </a:effectRef>
-          <a:fontRef idx="minor">
-            <a:schemeClr val="lt1"/>
-          </a:fontRef>
-        </p:style>
-        <p:txBody>
-          <a:bodyPr rtlCol="0" anchor="ctr"/>
-          <a:lstStyle/>
-          <a:p>
-            <a:pPr algn="ctr"/>
-            <a:r>
-              <a:rPr lang="en-US" dirty="0" err="1" smtClean="0"/>
-              <a:t>Im</a:t>
-            </a:r>
-            <a:r>
-              <a:rPr lang="en-US" dirty="0" smtClean="0"/>
-              <a:t> 3</a:t>
-            </a:r>
-            <a:endParaRPr lang="en-US" dirty="0"/>
-          </a:p>
-        </p:txBody>
-      </p:sp>
-      <p:sp>
-        <p:nvSpPr>
-          <p:cNvPr id="9" name="Rectangle 8"/>
-          <p:cNvSpPr/>
-          <p:nvPr/>
-        </p:nvSpPr>
-        <p:spPr>
-          <a:xfrm>
-            <a:off x="452239" y="2275230"/>
-            <a:ext cx="1139687" cy="834887"/>
-          </a:xfrm>
-          <a:prstGeom prst="rect">
-            <a:avLst/>
-          </a:prstGeom>
-          <a:solidFill>
-            <a:schemeClr val="accent2"/>
-          </a:solidFill>
-        </p:spPr>
-        <p:style>
-          <a:lnRef idx="2">
-            <a:schemeClr val="accent1">
-              <a:shade val="50000"/>
-            </a:schemeClr>
-          </a:lnRef>
-          <a:fillRef idx="1">
-            <a:schemeClr val="accent1"/>
-          </a:fillRef>
-          <a:effectRef idx="0">
-            <a:schemeClr val="accent1"/>
-          </a:effectRef>
-          <a:fontRef idx="minor">
-            <a:schemeClr val="lt1"/>
-          </a:fontRef>
-        </p:style>
-        <p:txBody>
-          <a:bodyPr rtlCol="0" anchor="ctr"/>
-          <a:lstStyle/>
-          <a:p>
-            <a:pPr algn="ctr"/>
-            <a:r>
-              <a:rPr lang="en-US" dirty="0" smtClean="0"/>
-              <a:t>K</a:t>
-            </a:r>
-            <a:endParaRPr lang="en-US" dirty="0"/>
-          </a:p>
-        </p:txBody>
-      </p:sp>
-      <p:cxnSp>
-        <p:nvCxnSpPr>
-          <p:cNvPr id="49" name="Elbow Connector 48"/>
-          <p:cNvCxnSpPr>
-            <a:stCxn id="4" idx="2"/>
-            <a:endCxn id="7" idx="2"/>
-          </p:cNvCxnSpPr>
-          <p:nvPr/>
-        </p:nvCxnSpPr>
-        <p:spPr>
-          <a:xfrm rot="5400000" flipH="1" flipV="1">
-            <a:off x="4853601" y="2331560"/>
-            <a:ext cx="2" cy="3226891"/>
-          </a:xfrm>
-          <a:prstGeom prst="bentConnector3">
-            <a:avLst>
-              <a:gd name="adj1" fmla="val -11430000000"/>
-            </a:avLst>
-          </a:prstGeom>
-          <a:ln w="38100">
-            <a:solidFill>
-              <a:schemeClr val="tx1"/>
-            </a:solidFill>
-            <a:tailEnd type="triangle"/>
-          </a:ln>
-        </p:spPr>
-        <p:style>
-          <a:lnRef idx="1">
-            <a:schemeClr val="accent1"/>
-          </a:lnRef>
-          <a:fillRef idx="0">
-            <a:schemeClr val="accent1"/>
-          </a:fillRef>
-          <a:effectRef idx="0">
-            <a:schemeClr val="accent1"/>
-          </a:effectRef>
-          <a:fontRef idx="minor">
-            <a:schemeClr val="tx1"/>
-          </a:fontRef>
-        </p:style>
-      </p:cxnSp>
       <p:grpSp>
         <p:nvGrpSpPr>
-          <p:cNvPr id="78" name="Group 77"/>
+          <p:cNvPr id="144" name="Group 143"/>
           <p:cNvGrpSpPr/>
           <p:nvPr/>
         </p:nvGrpSpPr>
         <p:grpSpPr>
           <a:xfrm>
-            <a:off x="1591926" y="2692674"/>
-            <a:ext cx="7419554" cy="1252333"/>
-            <a:chOff x="916064" y="2594113"/>
-            <a:chExt cx="7419554" cy="1252333"/>
+            <a:off x="452239" y="1938027"/>
+            <a:ext cx="11025863" cy="3394832"/>
+            <a:chOff x="452239" y="1938027"/>
+            <a:chExt cx="11025863" cy="3394832"/>
           </a:xfrm>
         </p:grpSpPr>
         <p:sp>
           <p:nvSpPr>
-            <p:cNvPr id="4" name="Rectangle 3"/>
+            <p:cNvPr id="69" name="Rectangle 68"/>
             <p:cNvSpPr/>
             <p:nvPr/>
           </p:nvSpPr>
           <p:spPr>
             <a:xfrm>
-              <a:off x="1994451" y="3011559"/>
+              <a:off x="2203983" y="1938027"/>
+              <a:ext cx="7234056" cy="3394832"/>
+            </a:xfrm>
+            <a:prstGeom prst="rect">
+              <a:avLst/>
+            </a:prstGeom>
+            <a:solidFill>
+              <a:schemeClr val="accent6">
+                <a:lumMod val="75000"/>
+              </a:schemeClr>
+            </a:solidFill>
+          </p:spPr>
+          <p:style>
+            <a:lnRef idx="2">
+              <a:schemeClr val="accent1">
+                <a:shade val="50000"/>
+              </a:schemeClr>
+            </a:lnRef>
+            <a:fillRef idx="1">
+              <a:schemeClr val="accent1"/>
+            </a:fillRef>
+            <a:effectRef idx="0">
+              <a:schemeClr val="accent1"/>
+            </a:effectRef>
+            <a:fontRef idx="minor">
+              <a:schemeClr val="lt1"/>
+            </a:fontRef>
+          </p:style>
+          <p:txBody>
+            <a:bodyPr rtlCol="0" anchor="t"/>
+            <a:lstStyle/>
+            <a:p>
+              <a:pPr algn="ctr"/>
+              <a:r>
+                <a:rPr lang="en-US" sz="2400" dirty="0" smtClean="0"/>
+                <a:t>Initialize Pipeline</a:t>
+              </a:r>
+              <a:endParaRPr lang="en-US" sz="2400" dirty="0"/>
+            </a:p>
+          </p:txBody>
+        </p:sp>
+        <p:sp>
+          <p:nvSpPr>
+            <p:cNvPr id="2" name="Rectangle 1"/>
+            <p:cNvSpPr/>
+            <p:nvPr/>
+          </p:nvSpPr>
+          <p:spPr>
+            <a:xfrm>
+              <a:off x="452240" y="3325878"/>
               <a:ext cx="1139687" cy="834887"/>
             </a:xfrm>
             <a:prstGeom prst="rect">
               <a:avLst/>
             </a:prstGeom>
+            <a:solidFill>
+              <a:schemeClr val="accent2"/>
+            </a:solidFill>
+          </p:spPr>
+          <p:style>
+            <a:lnRef idx="2">
+              <a:schemeClr val="accent1">
+                <a:shade val="50000"/>
+              </a:schemeClr>
+            </a:lnRef>
+            <a:fillRef idx="1">
+              <a:schemeClr val="accent1"/>
+            </a:fillRef>
+            <a:effectRef idx="0">
+              <a:schemeClr val="accent1"/>
+            </a:effectRef>
+            <a:fontRef idx="minor">
+              <a:schemeClr val="lt1"/>
+            </a:fontRef>
+          </p:style>
+          <p:txBody>
+            <a:bodyPr rtlCol="0" anchor="ctr"/>
+            <a:lstStyle/>
+            <a:p>
+              <a:pPr algn="ctr"/>
+              <a:r>
+                <a:rPr lang="en-US" dirty="0" err="1" smtClean="0"/>
+                <a:t>Im</a:t>
+              </a:r>
+              <a:r>
+                <a:rPr lang="en-US" dirty="0" smtClean="0"/>
+                <a:t> 0</a:t>
+              </a:r>
+              <a:endParaRPr lang="en-US" dirty="0"/>
+            </a:p>
+          </p:txBody>
+        </p:sp>
+        <p:sp>
+          <p:nvSpPr>
+            <p:cNvPr id="3" name="Rectangle 2"/>
+            <p:cNvSpPr/>
+            <p:nvPr/>
+          </p:nvSpPr>
+          <p:spPr>
+            <a:xfrm>
+              <a:off x="452239" y="4405930"/>
+              <a:ext cx="1139687" cy="834887"/>
+            </a:xfrm>
+            <a:prstGeom prst="rect">
+              <a:avLst/>
+            </a:prstGeom>
+            <a:solidFill>
+              <a:schemeClr val="accent2"/>
+            </a:solidFill>
+          </p:spPr>
+          <p:style>
+            <a:lnRef idx="2">
+              <a:schemeClr val="accent1">
+                <a:shade val="50000"/>
+              </a:schemeClr>
+            </a:lnRef>
+            <a:fillRef idx="1">
+              <a:schemeClr val="accent1"/>
+            </a:fillRef>
+            <a:effectRef idx="0">
+              <a:schemeClr val="accent1"/>
+            </a:effectRef>
+            <a:fontRef idx="minor">
+              <a:schemeClr val="lt1"/>
+            </a:fontRef>
+          </p:style>
+          <p:txBody>
+            <a:bodyPr rtlCol="0" anchor="ctr"/>
+            <a:lstStyle/>
+            <a:p>
+              <a:pPr algn="ctr"/>
+              <a:r>
+                <a:rPr lang="en-US" dirty="0" err="1" smtClean="0"/>
+                <a:t>Im</a:t>
+              </a:r>
+              <a:r>
+                <a:rPr lang="en-US" dirty="0" smtClean="0"/>
+                <a:t> 3</a:t>
+              </a:r>
+              <a:endParaRPr lang="en-US" dirty="0"/>
+            </a:p>
+          </p:txBody>
+        </p:sp>
+        <p:sp>
+          <p:nvSpPr>
+            <p:cNvPr id="9" name="Rectangle 8"/>
+            <p:cNvSpPr/>
+            <p:nvPr/>
+          </p:nvSpPr>
+          <p:spPr>
+            <a:xfrm>
+              <a:off x="452239" y="2275230"/>
+              <a:ext cx="1139687" cy="834887"/>
+            </a:xfrm>
+            <a:prstGeom prst="rect">
+              <a:avLst/>
+            </a:prstGeom>
+            <a:solidFill>
+              <a:schemeClr val="accent2"/>
+            </a:solidFill>
           </p:spPr>
           <p:style>
             <a:lnRef idx="2">
@@ -3747,26 +3758,536 @@
               <a:pPr algn="ctr"/>
               <a:r>
                 <a:rPr lang="en-US" dirty="0" smtClean="0"/>
-                <a:t>Match Features</a:t>
+                <a:t>K</a:t>
               </a:r>
               <a:endParaRPr lang="en-US" dirty="0"/>
             </a:p>
           </p:txBody>
         </p:sp>
+        <p:cxnSp>
+          <p:nvCxnSpPr>
+            <p:cNvPr id="49" name="Elbow Connector 48"/>
+            <p:cNvCxnSpPr>
+              <a:stCxn id="4" idx="2"/>
+              <a:endCxn id="7" idx="2"/>
+            </p:cNvCxnSpPr>
+            <p:nvPr/>
+          </p:nvCxnSpPr>
+          <p:spPr>
+            <a:xfrm rot="5400000" flipH="1" flipV="1">
+              <a:off x="4853601" y="2331560"/>
+              <a:ext cx="2" cy="3226891"/>
+            </a:xfrm>
+            <a:prstGeom prst="bentConnector3">
+              <a:avLst>
+                <a:gd name="adj1" fmla="val -11430000000"/>
+              </a:avLst>
+            </a:prstGeom>
+            <a:ln w="38100">
+              <a:solidFill>
+                <a:schemeClr val="tx1"/>
+              </a:solidFill>
+              <a:tailEnd type="triangle"/>
+            </a:ln>
+          </p:spPr>
+          <p:style>
+            <a:lnRef idx="1">
+              <a:schemeClr val="accent1"/>
+            </a:lnRef>
+            <a:fillRef idx="0">
+              <a:schemeClr val="accent1"/>
+            </a:fillRef>
+            <a:effectRef idx="0">
+              <a:schemeClr val="accent1"/>
+            </a:effectRef>
+            <a:fontRef idx="minor">
+              <a:schemeClr val="tx1"/>
+            </a:fontRef>
+          </p:style>
+        </p:cxnSp>
+        <p:grpSp>
+          <p:nvGrpSpPr>
+            <p:cNvPr id="78" name="Group 77"/>
+            <p:cNvGrpSpPr/>
+            <p:nvPr/>
+          </p:nvGrpSpPr>
+          <p:grpSpPr>
+            <a:xfrm>
+              <a:off x="1591926" y="2692674"/>
+              <a:ext cx="7419554" cy="1252333"/>
+              <a:chOff x="916064" y="2594113"/>
+              <a:chExt cx="7419554" cy="1252333"/>
+            </a:xfrm>
+          </p:grpSpPr>
+          <p:sp>
+            <p:nvSpPr>
+              <p:cNvPr id="4" name="Rectangle 3"/>
+              <p:cNvSpPr/>
+              <p:nvPr/>
+            </p:nvSpPr>
+            <p:spPr>
+              <a:xfrm>
+                <a:off x="1994451" y="3011559"/>
+                <a:ext cx="1139687" cy="834887"/>
+              </a:xfrm>
+              <a:prstGeom prst="rect">
+                <a:avLst/>
+              </a:prstGeom>
+            </p:spPr>
+            <p:style>
+              <a:lnRef idx="2">
+                <a:schemeClr val="accent1">
+                  <a:shade val="50000"/>
+                </a:schemeClr>
+              </a:lnRef>
+              <a:fillRef idx="1">
+                <a:schemeClr val="accent1"/>
+              </a:fillRef>
+              <a:effectRef idx="0">
+                <a:schemeClr val="accent1"/>
+              </a:effectRef>
+              <a:fontRef idx="minor">
+                <a:schemeClr val="lt1"/>
+              </a:fontRef>
+            </p:style>
+            <p:txBody>
+              <a:bodyPr rtlCol="0" anchor="ctr"/>
+              <a:lstStyle/>
+              <a:p>
+                <a:pPr algn="ctr"/>
+                <a:r>
+                  <a:rPr lang="en-US" dirty="0" smtClean="0"/>
+                  <a:t>Match Features</a:t>
+                </a:r>
+                <a:endParaRPr lang="en-US" dirty="0"/>
+              </a:p>
+            </p:txBody>
+          </p:sp>
+          <p:sp>
+            <p:nvSpPr>
+              <p:cNvPr id="6" name="Rectangle 5"/>
+              <p:cNvSpPr/>
+              <p:nvPr/>
+            </p:nvSpPr>
+            <p:spPr>
+              <a:xfrm>
+                <a:off x="3650969" y="3011558"/>
+                <a:ext cx="1139687" cy="834887"/>
+              </a:xfrm>
+              <a:prstGeom prst="rect">
+                <a:avLst/>
+              </a:prstGeom>
+            </p:spPr>
+            <p:style>
+              <a:lnRef idx="2">
+                <a:schemeClr val="accent1">
+                  <a:shade val="50000"/>
+                </a:schemeClr>
+              </a:lnRef>
+              <a:fillRef idx="1">
+                <a:schemeClr val="accent1"/>
+              </a:fillRef>
+              <a:effectRef idx="0">
+                <a:schemeClr val="accent1"/>
+              </a:effectRef>
+              <a:fontRef idx="minor">
+                <a:schemeClr val="lt1"/>
+              </a:fontRef>
+            </p:style>
+            <p:txBody>
+              <a:bodyPr rtlCol="0" anchor="ctr"/>
+              <a:lstStyle/>
+              <a:p>
+                <a:pPr algn="ctr"/>
+                <a:r>
+                  <a:rPr lang="en-US" dirty="0" smtClean="0"/>
+                  <a:t>Find Essential Matrix</a:t>
+                </a:r>
+                <a:endParaRPr lang="en-US" dirty="0"/>
+              </a:p>
+            </p:txBody>
+          </p:sp>
+          <p:sp>
+            <p:nvSpPr>
+              <p:cNvPr id="7" name="Rectangle 6"/>
+              <p:cNvSpPr/>
+              <p:nvPr/>
+            </p:nvSpPr>
+            <p:spPr>
+              <a:xfrm>
+                <a:off x="5221342" y="3011557"/>
+                <a:ext cx="1139687" cy="834887"/>
+              </a:xfrm>
+              <a:prstGeom prst="rect">
+                <a:avLst/>
+              </a:prstGeom>
+            </p:spPr>
+            <p:style>
+              <a:lnRef idx="2">
+                <a:schemeClr val="accent1">
+                  <a:shade val="50000"/>
+                </a:schemeClr>
+              </a:lnRef>
+              <a:fillRef idx="1">
+                <a:schemeClr val="accent1"/>
+              </a:fillRef>
+              <a:effectRef idx="0">
+                <a:schemeClr val="accent1"/>
+              </a:effectRef>
+              <a:fontRef idx="minor">
+                <a:schemeClr val="lt1"/>
+              </a:fontRef>
+            </p:style>
+            <p:txBody>
+              <a:bodyPr rtlCol="0" anchor="ctr"/>
+              <a:lstStyle/>
+              <a:p>
+                <a:pPr algn="ctr"/>
+                <a:r>
+                  <a:rPr lang="en-US" dirty="0" smtClean="0"/>
+                  <a:t>Recover Pose</a:t>
+                </a:r>
+                <a:endParaRPr lang="en-US" dirty="0"/>
+              </a:p>
+            </p:txBody>
+          </p:sp>
+          <p:sp>
+            <p:nvSpPr>
+              <p:cNvPr id="8" name="Rectangle 7"/>
+              <p:cNvSpPr/>
+              <p:nvPr/>
+            </p:nvSpPr>
+            <p:spPr>
+              <a:xfrm>
+                <a:off x="6791715" y="3011556"/>
+                <a:ext cx="1543903" cy="834887"/>
+              </a:xfrm>
+              <a:prstGeom prst="rect">
+                <a:avLst/>
+              </a:prstGeom>
+            </p:spPr>
+            <p:style>
+              <a:lnRef idx="2">
+                <a:schemeClr val="accent1">
+                  <a:shade val="50000"/>
+                </a:schemeClr>
+              </a:lnRef>
+              <a:fillRef idx="1">
+                <a:schemeClr val="accent1"/>
+              </a:fillRef>
+              <a:effectRef idx="0">
+                <a:schemeClr val="accent1"/>
+              </a:effectRef>
+              <a:fontRef idx="minor">
+                <a:schemeClr val="lt1"/>
+              </a:fontRef>
+            </p:style>
+            <p:txBody>
+              <a:bodyPr rtlCol="0" anchor="ctr"/>
+              <a:lstStyle/>
+              <a:p>
+                <a:pPr algn="ctr"/>
+                <a:r>
+                  <a:rPr lang="en-US" dirty="0" smtClean="0"/>
+                  <a:t>Triangulate Landmarks</a:t>
+                </a:r>
+                <a:endParaRPr lang="en-US" dirty="0"/>
+              </a:p>
+            </p:txBody>
+          </p:sp>
+          <p:cxnSp>
+            <p:nvCxnSpPr>
+              <p:cNvPr id="15" name="Straight Arrow Connector 14"/>
+              <p:cNvCxnSpPr>
+                <a:stCxn id="4" idx="3"/>
+                <a:endCxn id="6" idx="1"/>
+              </p:cNvCxnSpPr>
+              <p:nvPr/>
+            </p:nvCxnSpPr>
+            <p:spPr>
+              <a:xfrm flipV="1">
+                <a:off x="3134138" y="3429002"/>
+                <a:ext cx="516831" cy="1"/>
+              </a:xfrm>
+              <a:prstGeom prst="straightConnector1">
+                <a:avLst/>
+              </a:prstGeom>
+              <a:ln w="38100">
+                <a:solidFill>
+                  <a:schemeClr val="tx1"/>
+                </a:solidFill>
+                <a:tailEnd type="triangle"/>
+              </a:ln>
+            </p:spPr>
+            <p:style>
+              <a:lnRef idx="1">
+                <a:schemeClr val="accent1"/>
+              </a:lnRef>
+              <a:fillRef idx="0">
+                <a:schemeClr val="accent1"/>
+              </a:fillRef>
+              <a:effectRef idx="0">
+                <a:schemeClr val="accent1"/>
+              </a:effectRef>
+              <a:fontRef idx="minor">
+                <a:schemeClr val="tx1"/>
+              </a:fontRef>
+            </p:style>
+          </p:cxnSp>
+          <p:cxnSp>
+            <p:nvCxnSpPr>
+              <p:cNvPr id="18" name="Straight Arrow Connector 17"/>
+              <p:cNvCxnSpPr>
+                <a:stCxn id="6" idx="3"/>
+                <a:endCxn id="7" idx="1"/>
+              </p:cNvCxnSpPr>
+              <p:nvPr/>
+            </p:nvCxnSpPr>
+            <p:spPr>
+              <a:xfrm flipV="1">
+                <a:off x="4790656" y="3429001"/>
+                <a:ext cx="430686" cy="1"/>
+              </a:xfrm>
+              <a:prstGeom prst="straightConnector1">
+                <a:avLst/>
+              </a:prstGeom>
+              <a:ln w="38100">
+                <a:solidFill>
+                  <a:schemeClr val="tx1"/>
+                </a:solidFill>
+                <a:tailEnd type="triangle"/>
+              </a:ln>
+            </p:spPr>
+            <p:style>
+              <a:lnRef idx="1">
+                <a:schemeClr val="accent1"/>
+              </a:lnRef>
+              <a:fillRef idx="0">
+                <a:schemeClr val="accent1"/>
+              </a:fillRef>
+              <a:effectRef idx="0">
+                <a:schemeClr val="accent1"/>
+              </a:effectRef>
+              <a:fontRef idx="minor">
+                <a:schemeClr val="tx1"/>
+              </a:fontRef>
+            </p:style>
+          </p:cxnSp>
+          <p:cxnSp>
+            <p:nvCxnSpPr>
+              <p:cNvPr id="21" name="Straight Arrow Connector 20"/>
+              <p:cNvCxnSpPr>
+                <a:stCxn id="7" idx="3"/>
+                <a:endCxn id="8" idx="1"/>
+              </p:cNvCxnSpPr>
+              <p:nvPr/>
+            </p:nvCxnSpPr>
+            <p:spPr>
+              <a:xfrm flipV="1">
+                <a:off x="6361029" y="3429000"/>
+                <a:ext cx="430686" cy="1"/>
+              </a:xfrm>
+              <a:prstGeom prst="straightConnector1">
+                <a:avLst/>
+              </a:prstGeom>
+              <a:ln w="38100">
+                <a:solidFill>
+                  <a:schemeClr val="tx1"/>
+                </a:solidFill>
+                <a:tailEnd type="triangle"/>
+              </a:ln>
+            </p:spPr>
+            <p:style>
+              <a:lnRef idx="1">
+                <a:schemeClr val="accent1"/>
+              </a:lnRef>
+              <a:fillRef idx="0">
+                <a:schemeClr val="accent1"/>
+              </a:fillRef>
+              <a:effectRef idx="0">
+                <a:schemeClr val="accent1"/>
+              </a:effectRef>
+              <a:fontRef idx="minor">
+                <a:schemeClr val="tx1"/>
+              </a:fontRef>
+            </p:style>
+          </p:cxnSp>
+          <p:cxnSp>
+            <p:nvCxnSpPr>
+              <p:cNvPr id="39" name="Elbow Connector 38"/>
+              <p:cNvCxnSpPr>
+                <a:stCxn id="9" idx="3"/>
+                <a:endCxn id="6" idx="0"/>
+              </p:cNvCxnSpPr>
+              <p:nvPr/>
+            </p:nvCxnSpPr>
+            <p:spPr>
+              <a:xfrm>
+                <a:off x="916064" y="2594113"/>
+                <a:ext cx="3304749" cy="417445"/>
+              </a:xfrm>
+              <a:prstGeom prst="bentConnector2">
+                <a:avLst/>
+              </a:prstGeom>
+              <a:ln w="38100">
+                <a:solidFill>
+                  <a:schemeClr val="tx1"/>
+                </a:solidFill>
+                <a:tailEnd type="triangle"/>
+              </a:ln>
+            </p:spPr>
+            <p:style>
+              <a:lnRef idx="1">
+                <a:schemeClr val="accent1"/>
+              </a:lnRef>
+              <a:fillRef idx="0">
+                <a:schemeClr val="accent1"/>
+              </a:fillRef>
+              <a:effectRef idx="0">
+                <a:schemeClr val="accent1"/>
+              </a:effectRef>
+              <a:fontRef idx="minor">
+                <a:schemeClr val="tx1"/>
+              </a:fontRef>
+            </p:style>
+          </p:cxnSp>
+          <p:cxnSp>
+            <p:nvCxnSpPr>
+              <p:cNvPr id="40" name="Elbow Connector 39"/>
+              <p:cNvCxnSpPr>
+                <a:stCxn id="9" idx="3"/>
+                <a:endCxn id="8" idx="0"/>
+              </p:cNvCxnSpPr>
+              <p:nvPr/>
+            </p:nvCxnSpPr>
+            <p:spPr>
+              <a:xfrm>
+                <a:off x="916064" y="2594113"/>
+                <a:ext cx="6647603" cy="417443"/>
+              </a:xfrm>
+              <a:prstGeom prst="bentConnector2">
+                <a:avLst/>
+              </a:prstGeom>
+              <a:ln w="38100">
+                <a:solidFill>
+                  <a:schemeClr val="tx1"/>
+                </a:solidFill>
+                <a:tailEnd type="triangle"/>
+              </a:ln>
+            </p:spPr>
+            <p:style>
+              <a:lnRef idx="1">
+                <a:schemeClr val="accent1"/>
+              </a:lnRef>
+              <a:fillRef idx="0">
+                <a:schemeClr val="accent1"/>
+              </a:fillRef>
+              <a:effectRef idx="0">
+                <a:schemeClr val="accent1"/>
+              </a:effectRef>
+              <a:fontRef idx="minor">
+                <a:schemeClr val="tx1"/>
+              </a:fontRef>
+            </p:style>
+          </p:cxnSp>
+          <p:cxnSp>
+            <p:nvCxnSpPr>
+              <p:cNvPr id="43" name="Elbow Connector 42"/>
+              <p:cNvCxnSpPr>
+                <a:stCxn id="9" idx="3"/>
+                <a:endCxn id="7" idx="0"/>
+              </p:cNvCxnSpPr>
+              <p:nvPr/>
+            </p:nvCxnSpPr>
+            <p:spPr>
+              <a:xfrm>
+                <a:off x="916064" y="2594113"/>
+                <a:ext cx="4875122" cy="417444"/>
+              </a:xfrm>
+              <a:prstGeom prst="bentConnector2">
+                <a:avLst/>
+              </a:prstGeom>
+              <a:ln w="38100">
+                <a:solidFill>
+                  <a:schemeClr val="tx1"/>
+                </a:solidFill>
+                <a:tailEnd type="triangle"/>
+              </a:ln>
+            </p:spPr>
+            <p:style>
+              <a:lnRef idx="1">
+                <a:schemeClr val="accent1"/>
+              </a:lnRef>
+              <a:fillRef idx="0">
+                <a:schemeClr val="accent1"/>
+              </a:fillRef>
+              <a:effectRef idx="0">
+                <a:schemeClr val="accent1"/>
+              </a:effectRef>
+              <a:fontRef idx="minor">
+                <a:schemeClr val="tx1"/>
+              </a:fontRef>
+            </p:style>
+          </p:cxnSp>
+          <p:cxnSp>
+            <p:nvCxnSpPr>
+              <p:cNvPr id="61" name="Elbow Connector 60"/>
+              <p:cNvCxnSpPr>
+                <a:stCxn id="4" idx="2"/>
+                <a:endCxn id="8" idx="2"/>
+              </p:cNvCxnSpPr>
+              <p:nvPr/>
+            </p:nvCxnSpPr>
+            <p:spPr>
+              <a:xfrm rot="5400000" flipH="1" flipV="1">
+                <a:off x="5063979" y="1346759"/>
+                <a:ext cx="3" cy="4999372"/>
+              </a:xfrm>
+              <a:prstGeom prst="bentConnector3">
+                <a:avLst>
+                  <a:gd name="adj1" fmla="val -7620000000"/>
+                </a:avLst>
+              </a:prstGeom>
+              <a:ln w="38100">
+                <a:solidFill>
+                  <a:schemeClr val="tx1"/>
+                </a:solidFill>
+                <a:tailEnd type="triangle"/>
+              </a:ln>
+            </p:spPr>
+            <p:style>
+              <a:lnRef idx="1">
+                <a:schemeClr val="accent1"/>
+              </a:lnRef>
+              <a:fillRef idx="0">
+                <a:schemeClr val="accent1"/>
+              </a:fillRef>
+              <a:effectRef idx="0">
+                <a:schemeClr val="accent1"/>
+              </a:effectRef>
+              <a:fontRef idx="minor">
+                <a:schemeClr val="tx1"/>
+              </a:fontRef>
+            </p:style>
+          </p:cxnSp>
+        </p:grpSp>
         <p:sp>
           <p:nvSpPr>
-            <p:cNvPr id="6" name="Rectangle 5"/>
+            <p:cNvPr id="65" name="Rectangle 64"/>
             <p:cNvSpPr/>
             <p:nvPr/>
           </p:nvSpPr>
           <p:spPr>
             <a:xfrm>
-              <a:off x="3650969" y="3011558"/>
-              <a:ext cx="1139687" cy="834887"/>
+              <a:off x="10012009" y="2163723"/>
+              <a:ext cx="1447815" cy="786436"/>
             </a:xfrm>
             <a:prstGeom prst="rect">
               <a:avLst/>
             </a:prstGeom>
+            <a:solidFill>
+              <a:schemeClr val="accent2"/>
+            </a:solidFill>
           </p:spPr>
           <p:style>
             <a:lnRef idx="2">
@@ -3791,7 +4312,11 @@
               <a:pPr algn="ctr"/>
               <a:r>
                 <a:rPr lang="en-US" dirty="0" smtClean="0"/>
-                <a:t>Find Essential Matrix</a:t>
+                <a:t>Landmarks </a:t>
+              </a:r>
+              <a:r>
+                <a:rPr lang="en-US" smtClean="0"/>
+                <a:t>at SCALE</a:t>
               </a:r>
               <a:endParaRPr lang="en-US" dirty="0"/>
             </a:p>
@@ -3799,18 +4324,68 @@
         </p:sp>
         <p:sp>
           <p:nvSpPr>
-            <p:cNvPr id="7" name="Rectangle 6"/>
+            <p:cNvPr id="101" name="Rectangle 100"/>
             <p:cNvSpPr/>
             <p:nvPr/>
           </p:nvSpPr>
           <p:spPr>
             <a:xfrm>
-              <a:off x="5221342" y="3011557"/>
-              <a:ext cx="1139687" cy="834887"/>
+              <a:off x="10030287" y="3325878"/>
+              <a:ext cx="1447815" cy="624923"/>
             </a:xfrm>
             <a:prstGeom prst="rect">
               <a:avLst/>
             </a:prstGeom>
+            <a:solidFill>
+              <a:schemeClr val="accent2"/>
+            </a:solidFill>
+          </p:spPr>
+          <p:style>
+            <a:lnRef idx="2">
+              <a:schemeClr val="accent1">
+                <a:shade val="50000"/>
+              </a:schemeClr>
+            </a:lnRef>
+            <a:fillRef idx="1">
+              <a:schemeClr val="accent1"/>
+            </a:fillRef>
+            <a:effectRef idx="0">
+              <a:schemeClr val="accent1"/>
+            </a:effectRef>
+            <a:fontRef idx="minor">
+              <a:schemeClr val="lt1"/>
+            </a:fontRef>
+          </p:style>
+          <p:txBody>
+            <a:bodyPr rtlCol="0" anchor="ctr"/>
+            <a:lstStyle/>
+            <a:p>
+              <a:pPr algn="ctr"/>
+              <a:r>
+                <a:rPr lang="en-US" dirty="0" err="1" smtClean="0"/>
+                <a:t>Keypoints</a:t>
+              </a:r>
+              <a:endParaRPr lang="en-US" dirty="0"/>
+            </a:p>
+          </p:txBody>
+        </p:sp>
+        <p:sp>
+          <p:nvSpPr>
+            <p:cNvPr id="102" name="Rectangle 101"/>
+            <p:cNvSpPr/>
+            <p:nvPr/>
+          </p:nvSpPr>
+          <p:spPr>
+            <a:xfrm>
+              <a:off x="9982244" y="4393508"/>
+              <a:ext cx="1447815" cy="665092"/>
+            </a:xfrm>
+            <a:prstGeom prst="rect">
+              <a:avLst/>
+            </a:prstGeom>
+            <a:solidFill>
+              <a:schemeClr val="accent2"/>
+            </a:solidFill>
           </p:spPr>
           <p:style>
             <a:lnRef idx="2">
@@ -3835,51 +4410,7 @@
               <a:pPr algn="ctr"/>
               <a:r>
                 <a:rPr lang="en-US" dirty="0" smtClean="0"/>
-                <a:t>Recover Pose</a:t>
-              </a:r>
-              <a:endParaRPr lang="en-US" dirty="0"/>
-            </a:p>
-          </p:txBody>
-        </p:sp>
-        <p:sp>
-          <p:nvSpPr>
-            <p:cNvPr id="8" name="Rectangle 7"/>
-            <p:cNvSpPr/>
-            <p:nvPr/>
-          </p:nvSpPr>
-          <p:spPr>
-            <a:xfrm>
-              <a:off x="6791715" y="3011556"/>
-              <a:ext cx="1543903" cy="834887"/>
-            </a:xfrm>
-            <a:prstGeom prst="rect">
-              <a:avLst/>
-            </a:prstGeom>
-          </p:spPr>
-          <p:style>
-            <a:lnRef idx="2">
-              <a:schemeClr val="accent1">
-                <a:shade val="50000"/>
-              </a:schemeClr>
-            </a:lnRef>
-            <a:fillRef idx="1">
-              <a:schemeClr val="accent1"/>
-            </a:fillRef>
-            <a:effectRef idx="0">
-              <a:schemeClr val="accent1"/>
-            </a:effectRef>
-            <a:fontRef idx="minor">
-              <a:schemeClr val="lt1"/>
-            </a:fontRef>
-          </p:style>
-          <p:txBody>
-            <a:bodyPr rtlCol="0" anchor="ctr"/>
-            <a:lstStyle/>
-            <a:p>
-              <a:pPr algn="ctr"/>
-              <a:r>
-                <a:rPr lang="en-US" dirty="0" smtClean="0"/>
-                <a:t>Triangulate Landmarks</a:t>
+                <a:t>Descriptors</a:t>
               </a:r>
               <a:endParaRPr lang="en-US" dirty="0"/>
             </a:p>
@@ -3887,134 +4418,17 @@
         </p:sp>
         <p:cxnSp>
           <p:nvCxnSpPr>
-            <p:cNvPr id="15" name="Straight Arrow Connector 14"/>
+            <p:cNvPr id="105" name="Elbow Connector 104"/>
             <p:cNvCxnSpPr>
-              <a:stCxn id="4" idx="3"/>
-              <a:endCxn id="6" idx="1"/>
+              <a:stCxn id="4" idx="2"/>
+              <a:endCxn id="102" idx="1"/>
             </p:cNvCxnSpPr>
             <p:nvPr/>
           </p:nvCxnSpPr>
           <p:spPr>
-            <a:xfrm flipV="1">
-              <a:off x="3134138" y="3429002"/>
-              <a:ext cx="516831" cy="1"/>
-            </a:xfrm>
-            <a:prstGeom prst="straightConnector1">
-              <a:avLst/>
-            </a:prstGeom>
-            <a:ln w="38100">
-              <a:solidFill>
-                <a:schemeClr val="tx1"/>
-              </a:solidFill>
-              <a:tailEnd type="triangle"/>
-            </a:ln>
-          </p:spPr>
-          <p:style>
-            <a:lnRef idx="1">
-              <a:schemeClr val="accent1"/>
-            </a:lnRef>
-            <a:fillRef idx="0">
-              <a:schemeClr val="accent1"/>
-            </a:fillRef>
-            <a:effectRef idx="0">
-              <a:schemeClr val="accent1"/>
-            </a:effectRef>
-            <a:fontRef idx="minor">
-              <a:schemeClr val="tx1"/>
-            </a:fontRef>
-          </p:style>
-        </p:cxnSp>
-        <p:cxnSp>
-          <p:nvCxnSpPr>
-            <p:cNvPr id="18" name="Straight Arrow Connector 17"/>
-            <p:cNvCxnSpPr>
-              <a:stCxn id="6" idx="3"/>
-              <a:endCxn id="7" idx="1"/>
-            </p:cNvCxnSpPr>
-            <p:nvPr/>
-          </p:nvCxnSpPr>
-          <p:spPr>
-            <a:xfrm flipV="1">
-              <a:off x="4790656" y="3429001"/>
-              <a:ext cx="430686" cy="1"/>
-            </a:xfrm>
-            <a:prstGeom prst="straightConnector1">
-              <a:avLst/>
-            </a:prstGeom>
-            <a:ln w="38100">
-              <a:solidFill>
-                <a:schemeClr val="tx1"/>
-              </a:solidFill>
-              <a:tailEnd type="triangle"/>
-            </a:ln>
-          </p:spPr>
-          <p:style>
-            <a:lnRef idx="1">
-              <a:schemeClr val="accent1"/>
-            </a:lnRef>
-            <a:fillRef idx="0">
-              <a:schemeClr val="accent1"/>
-            </a:fillRef>
-            <a:effectRef idx="0">
-              <a:schemeClr val="accent1"/>
-            </a:effectRef>
-            <a:fontRef idx="minor">
-              <a:schemeClr val="tx1"/>
-            </a:fontRef>
-          </p:style>
-        </p:cxnSp>
-        <p:cxnSp>
-          <p:nvCxnSpPr>
-            <p:cNvPr id="21" name="Straight Arrow Connector 20"/>
-            <p:cNvCxnSpPr>
-              <a:stCxn id="7" idx="3"/>
-              <a:endCxn id="8" idx="1"/>
-            </p:cNvCxnSpPr>
-            <p:nvPr/>
-          </p:nvCxnSpPr>
-          <p:spPr>
-            <a:xfrm flipV="1">
-              <a:off x="6361029" y="3429000"/>
-              <a:ext cx="430686" cy="1"/>
-            </a:xfrm>
-            <a:prstGeom prst="straightConnector1">
-              <a:avLst/>
-            </a:prstGeom>
-            <a:ln w="38100">
-              <a:solidFill>
-                <a:schemeClr val="tx1"/>
-              </a:solidFill>
-              <a:tailEnd type="triangle"/>
-            </a:ln>
-          </p:spPr>
-          <p:style>
-            <a:lnRef idx="1">
-              <a:schemeClr val="accent1"/>
-            </a:lnRef>
-            <a:fillRef idx="0">
-              <a:schemeClr val="accent1"/>
-            </a:fillRef>
-            <a:effectRef idx="0">
-              <a:schemeClr val="accent1"/>
-            </a:effectRef>
-            <a:fontRef idx="minor">
-              <a:schemeClr val="tx1"/>
-            </a:fontRef>
-          </p:style>
-        </p:cxnSp>
-        <p:cxnSp>
-          <p:nvCxnSpPr>
-            <p:cNvPr id="39" name="Elbow Connector 38"/>
-            <p:cNvCxnSpPr>
-              <a:stCxn id="9" idx="3"/>
-              <a:endCxn id="6" idx="0"/>
-            </p:cNvCxnSpPr>
-            <p:nvPr/>
-          </p:nvCxnSpPr>
-          <p:spPr>
-            <a:xfrm>
-              <a:off x="916064" y="2594113"/>
-              <a:ext cx="3304749" cy="417445"/>
+            <a:xfrm rot="16200000" flipH="1">
+              <a:off x="6220677" y="964486"/>
+              <a:ext cx="781047" cy="6742087"/>
             </a:xfrm>
             <a:prstGeom prst="bentConnector2">
               <a:avLst/>
@@ -4043,99 +4457,22 @@
         </p:cxnSp>
         <p:cxnSp>
           <p:nvCxnSpPr>
-            <p:cNvPr id="40" name="Elbow Connector 39"/>
-            <p:cNvCxnSpPr>
-              <a:stCxn id="9" idx="3"/>
-              <a:endCxn id="8" idx="0"/>
-            </p:cNvCxnSpPr>
-            <p:nvPr/>
-          </p:nvCxnSpPr>
-          <p:spPr>
-            <a:xfrm>
-              <a:off x="916064" y="2594113"/>
-              <a:ext cx="6647603" cy="417443"/>
-            </a:xfrm>
-            <a:prstGeom prst="bentConnector2">
-              <a:avLst/>
-            </a:prstGeom>
-            <a:ln w="38100">
-              <a:solidFill>
-                <a:schemeClr val="tx1"/>
-              </a:solidFill>
-              <a:tailEnd type="triangle"/>
-            </a:ln>
-          </p:spPr>
-          <p:style>
-            <a:lnRef idx="1">
-              <a:schemeClr val="accent1"/>
-            </a:lnRef>
-            <a:fillRef idx="0">
-              <a:schemeClr val="accent1"/>
-            </a:fillRef>
-            <a:effectRef idx="0">
-              <a:schemeClr val="accent1"/>
-            </a:effectRef>
-            <a:fontRef idx="minor">
-              <a:schemeClr val="tx1"/>
-            </a:fontRef>
-          </p:style>
-        </p:cxnSp>
-        <p:cxnSp>
-          <p:nvCxnSpPr>
-            <p:cNvPr id="43" name="Elbow Connector 42"/>
-            <p:cNvCxnSpPr>
-              <a:stCxn id="9" idx="3"/>
-              <a:endCxn id="7" idx="0"/>
-            </p:cNvCxnSpPr>
-            <p:nvPr/>
-          </p:nvCxnSpPr>
-          <p:spPr>
-            <a:xfrm>
-              <a:off x="916064" y="2594113"/>
-              <a:ext cx="4875122" cy="417444"/>
-            </a:xfrm>
-            <a:prstGeom prst="bentConnector2">
-              <a:avLst/>
-            </a:prstGeom>
-            <a:ln w="38100">
-              <a:solidFill>
-                <a:schemeClr val="tx1"/>
-              </a:solidFill>
-              <a:tailEnd type="triangle"/>
-            </a:ln>
-          </p:spPr>
-          <p:style>
-            <a:lnRef idx="1">
-              <a:schemeClr val="accent1"/>
-            </a:lnRef>
-            <a:fillRef idx="0">
-              <a:schemeClr val="accent1"/>
-            </a:fillRef>
-            <a:effectRef idx="0">
-              <a:schemeClr val="accent1"/>
-            </a:effectRef>
-            <a:fontRef idx="minor">
-              <a:schemeClr val="tx1"/>
-            </a:fontRef>
-          </p:style>
-        </p:cxnSp>
-        <p:cxnSp>
-          <p:nvCxnSpPr>
-            <p:cNvPr id="61" name="Elbow Connector 60"/>
+            <p:cNvPr id="108" name="Elbow Connector 107"/>
             <p:cNvCxnSpPr>
               <a:stCxn id="4" idx="2"/>
-              <a:endCxn id="8" idx="2"/>
+              <a:endCxn id="101" idx="1"/>
             </p:cNvCxnSpPr>
             <p:nvPr/>
           </p:nvCxnSpPr>
           <p:spPr>
             <a:xfrm rot="5400000" flipH="1" flipV="1">
-              <a:off x="5063979" y="1346759"/>
-              <a:ext cx="3" cy="4999372"/>
+              <a:off x="6481888" y="396609"/>
+              <a:ext cx="306667" cy="6790130"/>
             </a:xfrm>
-            <a:prstGeom prst="bentConnector3">
+            <a:prstGeom prst="bentConnector4">
               <a:avLst>
-                <a:gd name="adj1" fmla="val -7620000000"/>
+                <a:gd name="adj1" fmla="val -256041"/>
+                <a:gd name="adj2" fmla="val 95572"/>
               </a:avLst>
             </a:prstGeom>
             <a:ln w="38100">
@@ -4160,356 +4497,130 @@
             </a:fontRef>
           </p:style>
         </p:cxnSp>
+        <p:cxnSp>
+          <p:nvCxnSpPr>
+            <p:cNvPr id="114" name="Elbow Connector 113"/>
+            <p:cNvCxnSpPr>
+              <a:stCxn id="8" idx="3"/>
+              <a:endCxn id="65" idx="1"/>
+            </p:cNvCxnSpPr>
+            <p:nvPr/>
+          </p:nvCxnSpPr>
+          <p:spPr>
+            <a:xfrm flipV="1">
+              <a:off x="9011480" y="2556941"/>
+              <a:ext cx="1000529" cy="970620"/>
+            </a:xfrm>
+            <a:prstGeom prst="bentConnector3">
+              <a:avLst>
+                <a:gd name="adj1" fmla="val 50000"/>
+              </a:avLst>
+            </a:prstGeom>
+            <a:ln w="38100">
+              <a:solidFill>
+                <a:schemeClr val="tx1"/>
+              </a:solidFill>
+              <a:tailEnd type="triangle"/>
+            </a:ln>
+          </p:spPr>
+          <p:style>
+            <a:lnRef idx="1">
+              <a:schemeClr val="accent1"/>
+            </a:lnRef>
+            <a:fillRef idx="0">
+              <a:schemeClr val="accent1"/>
+            </a:fillRef>
+            <a:effectRef idx="0">
+              <a:schemeClr val="accent1"/>
+            </a:effectRef>
+            <a:fontRef idx="minor">
+              <a:schemeClr val="tx1"/>
+            </a:fontRef>
+          </p:style>
+        </p:cxnSp>
+        <p:cxnSp>
+          <p:nvCxnSpPr>
+            <p:cNvPr id="128" name="Elbow Connector 127"/>
+            <p:cNvCxnSpPr>
+              <a:stCxn id="2" idx="3"/>
+              <a:endCxn id="4" idx="1"/>
+            </p:cNvCxnSpPr>
+            <p:nvPr/>
+          </p:nvCxnSpPr>
+          <p:spPr>
+            <a:xfrm flipV="1">
+              <a:off x="1591927" y="3527564"/>
+              <a:ext cx="1078386" cy="215758"/>
+            </a:xfrm>
+            <a:prstGeom prst="bentConnector3">
+              <a:avLst>
+                <a:gd name="adj1" fmla="val 50000"/>
+              </a:avLst>
+            </a:prstGeom>
+            <a:ln w="38100">
+              <a:solidFill>
+                <a:schemeClr val="tx1"/>
+              </a:solidFill>
+              <a:tailEnd type="triangle"/>
+            </a:ln>
+          </p:spPr>
+          <p:style>
+            <a:lnRef idx="1">
+              <a:schemeClr val="accent1"/>
+            </a:lnRef>
+            <a:fillRef idx="0">
+              <a:schemeClr val="accent1"/>
+            </a:fillRef>
+            <a:effectRef idx="0">
+              <a:schemeClr val="accent1"/>
+            </a:effectRef>
+            <a:fontRef idx="minor">
+              <a:schemeClr val="tx1"/>
+            </a:fontRef>
+          </p:style>
+        </p:cxnSp>
+        <p:cxnSp>
+          <p:nvCxnSpPr>
+            <p:cNvPr id="131" name="Elbow Connector 130"/>
+            <p:cNvCxnSpPr>
+              <a:stCxn id="3" idx="3"/>
+              <a:endCxn id="4" idx="1"/>
+            </p:cNvCxnSpPr>
+            <p:nvPr/>
+          </p:nvCxnSpPr>
+          <p:spPr>
+            <a:xfrm flipV="1">
+              <a:off x="1591926" y="3527564"/>
+              <a:ext cx="1078387" cy="1295810"/>
+            </a:xfrm>
+            <a:prstGeom prst="bentConnector3">
+              <a:avLst>
+                <a:gd name="adj1" fmla="val 50000"/>
+              </a:avLst>
+            </a:prstGeom>
+            <a:ln w="38100">
+              <a:solidFill>
+                <a:schemeClr val="tx1"/>
+              </a:solidFill>
+              <a:tailEnd type="triangle"/>
+            </a:ln>
+          </p:spPr>
+          <p:style>
+            <a:lnRef idx="1">
+              <a:schemeClr val="accent1"/>
+            </a:lnRef>
+            <a:fillRef idx="0">
+              <a:schemeClr val="accent1"/>
+            </a:fillRef>
+            <a:effectRef idx="0">
+              <a:schemeClr val="accent1"/>
+            </a:effectRef>
+            <a:fontRef idx="minor">
+              <a:schemeClr val="tx1"/>
+            </a:fontRef>
+          </p:style>
+        </p:cxnSp>
       </p:grpSp>
-      <p:sp>
-        <p:nvSpPr>
-          <p:cNvPr id="65" name="Rectangle 64"/>
-          <p:cNvSpPr/>
-          <p:nvPr/>
-        </p:nvSpPr>
-        <p:spPr>
-          <a:xfrm>
-            <a:off x="10012009" y="2163723"/>
-            <a:ext cx="1447815" cy="786436"/>
-          </a:xfrm>
-          <a:prstGeom prst="rect">
-            <a:avLst/>
-          </a:prstGeom>
-          <a:solidFill>
-            <a:schemeClr val="accent2"/>
-          </a:solidFill>
-        </p:spPr>
-        <p:style>
-          <a:lnRef idx="2">
-            <a:schemeClr val="accent1">
-              <a:shade val="50000"/>
-            </a:schemeClr>
-          </a:lnRef>
-          <a:fillRef idx="1">
-            <a:schemeClr val="accent1"/>
-          </a:fillRef>
-          <a:effectRef idx="0">
-            <a:schemeClr val="accent1"/>
-          </a:effectRef>
-          <a:fontRef idx="minor">
-            <a:schemeClr val="lt1"/>
-          </a:fontRef>
-        </p:style>
-        <p:txBody>
-          <a:bodyPr rtlCol="0" anchor="ctr"/>
-          <a:lstStyle/>
-          <a:p>
-            <a:pPr algn="ctr"/>
-            <a:r>
-              <a:rPr lang="en-US" dirty="0" smtClean="0"/>
-              <a:t>Landmarks </a:t>
-            </a:r>
-            <a:r>
-              <a:rPr lang="en-US" smtClean="0"/>
-              <a:t>at SCALE</a:t>
-            </a:r>
-            <a:endParaRPr lang="en-US" dirty="0"/>
-          </a:p>
-        </p:txBody>
-      </p:sp>
-      <p:sp>
-        <p:nvSpPr>
-          <p:cNvPr id="101" name="Rectangle 100"/>
-          <p:cNvSpPr/>
-          <p:nvPr/>
-        </p:nvSpPr>
-        <p:spPr>
-          <a:xfrm>
-            <a:off x="10030287" y="3325878"/>
-            <a:ext cx="1447815" cy="624923"/>
-          </a:xfrm>
-          <a:prstGeom prst="rect">
-            <a:avLst/>
-          </a:prstGeom>
-          <a:solidFill>
-            <a:schemeClr val="accent2"/>
-          </a:solidFill>
-        </p:spPr>
-        <p:style>
-          <a:lnRef idx="2">
-            <a:schemeClr val="accent1">
-              <a:shade val="50000"/>
-            </a:schemeClr>
-          </a:lnRef>
-          <a:fillRef idx="1">
-            <a:schemeClr val="accent1"/>
-          </a:fillRef>
-          <a:effectRef idx="0">
-            <a:schemeClr val="accent1"/>
-          </a:effectRef>
-          <a:fontRef idx="minor">
-            <a:schemeClr val="lt1"/>
-          </a:fontRef>
-        </p:style>
-        <p:txBody>
-          <a:bodyPr rtlCol="0" anchor="ctr"/>
-          <a:lstStyle/>
-          <a:p>
-            <a:pPr algn="ctr"/>
-            <a:r>
-              <a:rPr lang="en-US" dirty="0" err="1" smtClean="0"/>
-              <a:t>Keypoints</a:t>
-            </a:r>
-            <a:endParaRPr lang="en-US" dirty="0"/>
-          </a:p>
-        </p:txBody>
-      </p:sp>
-      <p:sp>
-        <p:nvSpPr>
-          <p:cNvPr id="102" name="Rectangle 101"/>
-          <p:cNvSpPr/>
-          <p:nvPr/>
-        </p:nvSpPr>
-        <p:spPr>
-          <a:xfrm>
-            <a:off x="9982244" y="4393508"/>
-            <a:ext cx="1447815" cy="665092"/>
-          </a:xfrm>
-          <a:prstGeom prst="rect">
-            <a:avLst/>
-          </a:prstGeom>
-          <a:solidFill>
-            <a:schemeClr val="accent2"/>
-          </a:solidFill>
-        </p:spPr>
-        <p:style>
-          <a:lnRef idx="2">
-            <a:schemeClr val="accent1">
-              <a:shade val="50000"/>
-            </a:schemeClr>
-          </a:lnRef>
-          <a:fillRef idx="1">
-            <a:schemeClr val="accent1"/>
-          </a:fillRef>
-          <a:effectRef idx="0">
-            <a:schemeClr val="accent1"/>
-          </a:effectRef>
-          <a:fontRef idx="minor">
-            <a:schemeClr val="lt1"/>
-          </a:fontRef>
-        </p:style>
-        <p:txBody>
-          <a:bodyPr rtlCol="0" anchor="ctr"/>
-          <a:lstStyle/>
-          <a:p>
-            <a:pPr algn="ctr"/>
-            <a:r>
-              <a:rPr lang="en-US" dirty="0" smtClean="0"/>
-              <a:t>Descriptors</a:t>
-            </a:r>
-            <a:endParaRPr lang="en-US" dirty="0"/>
-          </a:p>
-        </p:txBody>
-      </p:sp>
-      <p:cxnSp>
-        <p:nvCxnSpPr>
-          <p:cNvPr id="105" name="Elbow Connector 104"/>
-          <p:cNvCxnSpPr>
-            <a:stCxn id="4" idx="2"/>
-            <a:endCxn id="102" idx="1"/>
-          </p:cNvCxnSpPr>
-          <p:nvPr/>
-        </p:nvCxnSpPr>
-        <p:spPr>
-          <a:xfrm rot="16200000" flipH="1">
-            <a:off x="6220677" y="964486"/>
-            <a:ext cx="781047" cy="6742087"/>
-          </a:xfrm>
-          <a:prstGeom prst="bentConnector2">
-            <a:avLst/>
-          </a:prstGeom>
-          <a:ln w="38100">
-            <a:solidFill>
-              <a:schemeClr val="tx1"/>
-            </a:solidFill>
-            <a:tailEnd type="triangle"/>
-          </a:ln>
-        </p:spPr>
-        <p:style>
-          <a:lnRef idx="1">
-            <a:schemeClr val="accent1"/>
-          </a:lnRef>
-          <a:fillRef idx="0">
-            <a:schemeClr val="accent1"/>
-          </a:fillRef>
-          <a:effectRef idx="0">
-            <a:schemeClr val="accent1"/>
-          </a:effectRef>
-          <a:fontRef idx="minor">
-            <a:schemeClr val="tx1"/>
-          </a:fontRef>
-        </p:style>
-      </p:cxnSp>
-      <p:cxnSp>
-        <p:nvCxnSpPr>
-          <p:cNvPr id="108" name="Elbow Connector 107"/>
-          <p:cNvCxnSpPr>
-            <a:stCxn id="4" idx="2"/>
-            <a:endCxn id="101" idx="1"/>
-          </p:cNvCxnSpPr>
-          <p:nvPr/>
-        </p:nvCxnSpPr>
-        <p:spPr>
-          <a:xfrm rot="5400000" flipH="1" flipV="1">
-            <a:off x="6481888" y="396609"/>
-            <a:ext cx="306667" cy="6790130"/>
-          </a:xfrm>
-          <a:prstGeom prst="bentConnector4">
-            <a:avLst>
-              <a:gd name="adj1" fmla="val -256041"/>
-              <a:gd name="adj2" fmla="val 95572"/>
-            </a:avLst>
-          </a:prstGeom>
-          <a:ln w="38100">
-            <a:solidFill>
-              <a:schemeClr val="tx1"/>
-            </a:solidFill>
-            <a:tailEnd type="triangle"/>
-          </a:ln>
-        </p:spPr>
-        <p:style>
-          <a:lnRef idx="1">
-            <a:schemeClr val="accent1"/>
-          </a:lnRef>
-          <a:fillRef idx="0">
-            <a:schemeClr val="accent1"/>
-          </a:fillRef>
-          <a:effectRef idx="0">
-            <a:schemeClr val="accent1"/>
-          </a:effectRef>
-          <a:fontRef idx="minor">
-            <a:schemeClr val="tx1"/>
-          </a:fontRef>
-        </p:style>
-      </p:cxnSp>
-      <p:cxnSp>
-        <p:nvCxnSpPr>
-          <p:cNvPr id="114" name="Elbow Connector 113"/>
-          <p:cNvCxnSpPr>
-            <a:stCxn id="8" idx="3"/>
-            <a:endCxn id="65" idx="1"/>
-          </p:cNvCxnSpPr>
-          <p:nvPr/>
-        </p:nvCxnSpPr>
-        <p:spPr>
-          <a:xfrm flipV="1">
-            <a:off x="9011480" y="2556941"/>
-            <a:ext cx="1000529" cy="970620"/>
-          </a:xfrm>
-          <a:prstGeom prst="bentConnector3">
-            <a:avLst>
-              <a:gd name="adj1" fmla="val 50000"/>
-            </a:avLst>
-          </a:prstGeom>
-          <a:ln w="38100">
-            <a:solidFill>
-              <a:schemeClr val="tx1"/>
-            </a:solidFill>
-            <a:tailEnd type="triangle"/>
-          </a:ln>
-        </p:spPr>
-        <p:style>
-          <a:lnRef idx="1">
-            <a:schemeClr val="accent1"/>
-          </a:lnRef>
-          <a:fillRef idx="0">
-            <a:schemeClr val="accent1"/>
-          </a:fillRef>
-          <a:effectRef idx="0">
-            <a:schemeClr val="accent1"/>
-          </a:effectRef>
-          <a:fontRef idx="minor">
-            <a:schemeClr val="tx1"/>
-          </a:fontRef>
-        </p:style>
-      </p:cxnSp>
-      <p:cxnSp>
-        <p:nvCxnSpPr>
-          <p:cNvPr id="128" name="Elbow Connector 127"/>
-          <p:cNvCxnSpPr>
-            <a:stCxn id="2" idx="3"/>
-            <a:endCxn id="4" idx="1"/>
-          </p:cNvCxnSpPr>
-          <p:nvPr/>
-        </p:nvCxnSpPr>
-        <p:spPr>
-          <a:xfrm flipV="1">
-            <a:off x="1591927" y="3527564"/>
-            <a:ext cx="1078386" cy="215758"/>
-          </a:xfrm>
-          <a:prstGeom prst="bentConnector3">
-            <a:avLst>
-              <a:gd name="adj1" fmla="val 50000"/>
-            </a:avLst>
-          </a:prstGeom>
-          <a:ln w="38100">
-            <a:solidFill>
-              <a:schemeClr val="tx1"/>
-            </a:solidFill>
-            <a:tailEnd type="triangle"/>
-          </a:ln>
-        </p:spPr>
-        <p:style>
-          <a:lnRef idx="1">
-            <a:schemeClr val="accent1"/>
-          </a:lnRef>
-          <a:fillRef idx="0">
-            <a:schemeClr val="accent1"/>
-          </a:fillRef>
-          <a:effectRef idx="0">
-            <a:schemeClr val="accent1"/>
-          </a:effectRef>
-          <a:fontRef idx="minor">
-            <a:schemeClr val="tx1"/>
-          </a:fontRef>
-        </p:style>
-      </p:cxnSp>
-      <p:cxnSp>
-        <p:nvCxnSpPr>
-          <p:cNvPr id="131" name="Elbow Connector 130"/>
-          <p:cNvCxnSpPr>
-            <a:stCxn id="3" idx="3"/>
-            <a:endCxn id="4" idx="1"/>
-          </p:cNvCxnSpPr>
-          <p:nvPr/>
-        </p:nvCxnSpPr>
-        <p:spPr>
-          <a:xfrm flipV="1">
-            <a:off x="1591926" y="3527564"/>
-            <a:ext cx="1078387" cy="1295810"/>
-          </a:xfrm>
-          <a:prstGeom prst="bentConnector3">
-            <a:avLst>
-              <a:gd name="adj1" fmla="val 50000"/>
-            </a:avLst>
-          </a:prstGeom>
-          <a:ln w="38100">
-            <a:solidFill>
-              <a:schemeClr val="tx1"/>
-            </a:solidFill>
-            <a:tailEnd type="triangle"/>
-          </a:ln>
-        </p:spPr>
-        <p:style>
-          <a:lnRef idx="1">
-            <a:schemeClr val="accent1"/>
-          </a:lnRef>
-          <a:fillRef idx="0">
-            <a:schemeClr val="accent1"/>
-          </a:fillRef>
-          <a:effectRef idx="0">
-            <a:schemeClr val="accent1"/>
-          </a:effectRef>
-          <a:fontRef idx="minor">
-            <a:schemeClr val="tx1"/>
-          </a:fontRef>
-        </p:style>
-      </p:cxnSp>
     </p:spTree>
     <p:extLst>
       <p:ext uri="{BB962C8B-B14F-4D97-AF65-F5344CB8AC3E}">
@@ -6630,224 +6741,37 @@
           <a:chExt cx="0" cy="0"/>
         </a:xfrm>
       </p:grpSpPr>
-      <p:sp>
-        <p:nvSpPr>
-          <p:cNvPr id="2" name="Rectangle 1"/>
-          <p:cNvSpPr/>
-          <p:nvPr/>
-        </p:nvSpPr>
-        <p:spPr>
-          <a:xfrm>
-            <a:off x="1441174" y="4212540"/>
-            <a:ext cx="1139687" cy="834887"/>
-          </a:xfrm>
-          <a:prstGeom prst="rect">
-            <a:avLst/>
-          </a:prstGeom>
-          <a:solidFill>
-            <a:schemeClr val="accent2"/>
-          </a:solidFill>
-        </p:spPr>
-        <p:style>
-          <a:lnRef idx="2">
-            <a:schemeClr val="accent1">
-              <a:shade val="50000"/>
-            </a:schemeClr>
-          </a:lnRef>
-          <a:fillRef idx="1">
-            <a:schemeClr val="accent1"/>
-          </a:fillRef>
-          <a:effectRef idx="0">
-            <a:schemeClr val="accent1"/>
-          </a:effectRef>
-          <a:fontRef idx="minor">
-            <a:schemeClr val="lt1"/>
-          </a:fontRef>
-        </p:style>
-        <p:txBody>
-          <a:bodyPr rtlCol="0" anchor="ctr"/>
-          <a:lstStyle/>
-          <a:p>
-            <a:pPr algn="ctr"/>
-            <a:r>
-              <a:rPr lang="en-US" smtClean="0"/>
-              <a:t>KeyPoints</a:t>
-            </a:r>
-            <a:endParaRPr lang="en-US" dirty="0"/>
-          </a:p>
-        </p:txBody>
-      </p:sp>
-      <p:sp>
-        <p:nvSpPr>
-          <p:cNvPr id="3" name="Rectangle 2"/>
-          <p:cNvSpPr/>
-          <p:nvPr/>
-        </p:nvSpPr>
-        <p:spPr>
-          <a:xfrm>
-            <a:off x="1372455" y="3093566"/>
-            <a:ext cx="1248161" cy="834887"/>
-          </a:xfrm>
-          <a:prstGeom prst="rect">
-            <a:avLst/>
-          </a:prstGeom>
-          <a:solidFill>
-            <a:schemeClr val="accent2"/>
-          </a:solidFill>
-        </p:spPr>
-        <p:style>
-          <a:lnRef idx="2">
-            <a:schemeClr val="accent1">
-              <a:shade val="50000"/>
-            </a:schemeClr>
-          </a:lnRef>
-          <a:fillRef idx="1">
-            <a:schemeClr val="accent1"/>
-          </a:fillRef>
-          <a:effectRef idx="0">
-            <a:schemeClr val="accent1"/>
-          </a:effectRef>
-          <a:fontRef idx="minor">
-            <a:schemeClr val="lt1"/>
-          </a:fontRef>
-        </p:style>
-        <p:txBody>
-          <a:bodyPr rtlCol="0" anchor="ctr"/>
-          <a:lstStyle/>
-          <a:p>
-            <a:pPr algn="ctr"/>
-            <a:r>
-              <a:rPr lang="en-US" smtClean="0"/>
-              <a:t>Landmarks</a:t>
-            </a:r>
-            <a:endParaRPr lang="en-US" dirty="0"/>
-          </a:p>
-        </p:txBody>
-      </p:sp>
-      <p:sp>
-        <p:nvSpPr>
-          <p:cNvPr id="101" name="Rectangle 100"/>
-          <p:cNvSpPr/>
-          <p:nvPr/>
-        </p:nvSpPr>
-        <p:spPr>
-          <a:xfrm>
-            <a:off x="8488020" y="3198547"/>
-            <a:ext cx="1447815" cy="624923"/>
-          </a:xfrm>
-          <a:prstGeom prst="rect">
-            <a:avLst/>
-          </a:prstGeom>
-          <a:solidFill>
-            <a:schemeClr val="accent2"/>
-          </a:solidFill>
-        </p:spPr>
-        <p:style>
-          <a:lnRef idx="2">
-            <a:schemeClr val="accent1">
-              <a:shade val="50000"/>
-            </a:schemeClr>
-          </a:lnRef>
-          <a:fillRef idx="1">
-            <a:schemeClr val="accent1"/>
-          </a:fillRef>
-          <a:effectRef idx="0">
-            <a:schemeClr val="accent1"/>
-          </a:effectRef>
-          <a:fontRef idx="minor">
-            <a:schemeClr val="lt1"/>
-          </a:fontRef>
-        </p:style>
-        <p:txBody>
-          <a:bodyPr rtlCol="0" anchor="ctr"/>
-          <a:lstStyle/>
-          <a:p>
-            <a:pPr algn="ctr"/>
-            <a:r>
-              <a:rPr lang="en-US" dirty="0" smtClean="0"/>
-              <a:t>Pose</a:t>
-            </a:r>
-            <a:endParaRPr lang="en-US" dirty="0"/>
-          </a:p>
-        </p:txBody>
-      </p:sp>
       <p:grpSp>
         <p:nvGrpSpPr>
-          <p:cNvPr id="23" name="Group 22"/>
+          <p:cNvPr id="38" name="Group 37"/>
           <p:cNvGrpSpPr/>
           <p:nvPr/>
         </p:nvGrpSpPr>
         <p:grpSpPr>
           <a:xfrm>
-            <a:off x="4399722" y="2265721"/>
-            <a:ext cx="3339548" cy="2490576"/>
-            <a:chOff x="2269435" y="1192295"/>
-            <a:chExt cx="4369904" cy="2490576"/>
+            <a:off x="1372455" y="1977054"/>
+            <a:ext cx="8563380" cy="3070373"/>
+            <a:chOff x="1372455" y="1977054"/>
+            <a:chExt cx="8563380" cy="3070373"/>
           </a:xfrm>
         </p:grpSpPr>
         <p:sp>
           <p:nvSpPr>
-            <p:cNvPr id="69" name="Rectangle 68"/>
+            <p:cNvPr id="2" name="Rectangle 1"/>
             <p:cNvSpPr/>
             <p:nvPr/>
           </p:nvSpPr>
           <p:spPr>
             <a:xfrm>
-              <a:off x="2269435" y="1192295"/>
-              <a:ext cx="4369904" cy="2490576"/>
+              <a:off x="1441174" y="4212540"/>
+              <a:ext cx="1139687" cy="834887"/>
             </a:xfrm>
             <a:prstGeom prst="rect">
               <a:avLst/>
             </a:prstGeom>
             <a:solidFill>
-              <a:schemeClr val="accent6">
-                <a:lumMod val="75000"/>
-              </a:schemeClr>
+              <a:schemeClr val="accent2"/>
             </a:solidFill>
-          </p:spPr>
-          <p:style>
-            <a:lnRef idx="2">
-              <a:schemeClr val="accent1">
-                <a:shade val="50000"/>
-              </a:schemeClr>
-            </a:lnRef>
-            <a:fillRef idx="1">
-              <a:schemeClr val="accent1"/>
-            </a:fillRef>
-            <a:effectRef idx="0">
-              <a:schemeClr val="accent1"/>
-            </a:effectRef>
-            <a:fontRef idx="minor">
-              <a:schemeClr val="lt1"/>
-            </a:fontRef>
-          </p:style>
-          <p:txBody>
-            <a:bodyPr rtlCol="0" anchor="t"/>
-            <a:lstStyle/>
-            <a:p>
-              <a:pPr algn="ctr"/>
-              <a:r>
-                <a:rPr lang="en-US" sz="2400" dirty="0" smtClean="0"/>
-                <a:t>Estimate Pose</a:t>
-              </a:r>
-              <a:endParaRPr lang="en-US" sz="2400" dirty="0"/>
-            </a:p>
-          </p:txBody>
-        </p:sp>
-        <p:sp>
-          <p:nvSpPr>
-            <p:cNvPr id="27" name="Rectangle 26"/>
-            <p:cNvSpPr/>
-            <p:nvPr/>
-          </p:nvSpPr>
-          <p:spPr>
-            <a:xfrm>
-              <a:off x="3627709" y="2020138"/>
-              <a:ext cx="1653356" cy="834887"/>
-            </a:xfrm>
-            <a:prstGeom prst="rect">
-              <a:avLst/>
-            </a:prstGeom>
           </p:spPr>
           <p:style>
             <a:lnRef idx="2">
@@ -6871,221 +6795,423 @@
             <a:p>
               <a:pPr algn="ctr"/>
               <a:r>
-                <a:rPr lang="en-US" dirty="0" err="1" smtClean="0"/>
-                <a:t>PnPRansac</a:t>
+                <a:rPr lang="en-US" smtClean="0"/>
+                <a:t>KeyPoints</a:t>
               </a:r>
               <a:endParaRPr lang="en-US" dirty="0"/>
             </a:p>
           </p:txBody>
         </p:sp>
+        <p:sp>
+          <p:nvSpPr>
+            <p:cNvPr id="3" name="Rectangle 2"/>
+            <p:cNvSpPr/>
+            <p:nvPr/>
+          </p:nvSpPr>
+          <p:spPr>
+            <a:xfrm>
+              <a:off x="1372455" y="3093566"/>
+              <a:ext cx="1248161" cy="834887"/>
+            </a:xfrm>
+            <a:prstGeom prst="rect">
+              <a:avLst/>
+            </a:prstGeom>
+            <a:solidFill>
+              <a:schemeClr val="accent2"/>
+            </a:solidFill>
+          </p:spPr>
+          <p:style>
+            <a:lnRef idx="2">
+              <a:schemeClr val="accent1">
+                <a:shade val="50000"/>
+              </a:schemeClr>
+            </a:lnRef>
+            <a:fillRef idx="1">
+              <a:schemeClr val="accent1"/>
+            </a:fillRef>
+            <a:effectRef idx="0">
+              <a:schemeClr val="accent1"/>
+            </a:effectRef>
+            <a:fontRef idx="minor">
+              <a:schemeClr val="lt1"/>
+            </a:fontRef>
+          </p:style>
+          <p:txBody>
+            <a:bodyPr rtlCol="0" anchor="ctr"/>
+            <a:lstStyle/>
+            <a:p>
+              <a:pPr algn="ctr"/>
+              <a:r>
+                <a:rPr lang="en-US" smtClean="0"/>
+                <a:t>Landmarks</a:t>
+              </a:r>
+              <a:endParaRPr lang="en-US" dirty="0"/>
+            </a:p>
+          </p:txBody>
+        </p:sp>
+        <p:sp>
+          <p:nvSpPr>
+            <p:cNvPr id="101" name="Rectangle 100"/>
+            <p:cNvSpPr/>
+            <p:nvPr/>
+          </p:nvSpPr>
+          <p:spPr>
+            <a:xfrm>
+              <a:off x="8488020" y="3198547"/>
+              <a:ext cx="1447815" cy="624923"/>
+            </a:xfrm>
+            <a:prstGeom prst="rect">
+              <a:avLst/>
+            </a:prstGeom>
+            <a:solidFill>
+              <a:schemeClr val="accent2"/>
+            </a:solidFill>
+          </p:spPr>
+          <p:style>
+            <a:lnRef idx="2">
+              <a:schemeClr val="accent1">
+                <a:shade val="50000"/>
+              </a:schemeClr>
+            </a:lnRef>
+            <a:fillRef idx="1">
+              <a:schemeClr val="accent1"/>
+            </a:fillRef>
+            <a:effectRef idx="0">
+              <a:schemeClr val="accent1"/>
+            </a:effectRef>
+            <a:fontRef idx="minor">
+              <a:schemeClr val="lt1"/>
+            </a:fontRef>
+          </p:style>
+          <p:txBody>
+            <a:bodyPr rtlCol="0" anchor="ctr"/>
+            <a:lstStyle/>
+            <a:p>
+              <a:pPr algn="ctr"/>
+              <a:r>
+                <a:rPr lang="en-US" dirty="0" smtClean="0"/>
+                <a:t>Pose</a:t>
+              </a:r>
+              <a:endParaRPr lang="en-US" dirty="0"/>
+            </a:p>
+          </p:txBody>
+        </p:sp>
+        <p:grpSp>
+          <p:nvGrpSpPr>
+            <p:cNvPr id="23" name="Group 22"/>
+            <p:cNvGrpSpPr/>
+            <p:nvPr/>
+          </p:nvGrpSpPr>
+          <p:grpSpPr>
+            <a:xfrm>
+              <a:off x="4399722" y="2265721"/>
+              <a:ext cx="3339548" cy="2490576"/>
+              <a:chOff x="2269435" y="1192295"/>
+              <a:chExt cx="4369904" cy="2490576"/>
+            </a:xfrm>
+          </p:grpSpPr>
+          <p:sp>
+            <p:nvSpPr>
+              <p:cNvPr id="69" name="Rectangle 68"/>
+              <p:cNvSpPr/>
+              <p:nvPr/>
+            </p:nvSpPr>
+            <p:spPr>
+              <a:xfrm>
+                <a:off x="2269435" y="1192295"/>
+                <a:ext cx="4369904" cy="2490576"/>
+              </a:xfrm>
+              <a:prstGeom prst="rect">
+                <a:avLst/>
+              </a:prstGeom>
+              <a:solidFill>
+                <a:schemeClr val="accent6">
+                  <a:lumMod val="75000"/>
+                </a:schemeClr>
+              </a:solidFill>
+            </p:spPr>
+            <p:style>
+              <a:lnRef idx="2">
+                <a:schemeClr val="accent1">
+                  <a:shade val="50000"/>
+                </a:schemeClr>
+              </a:lnRef>
+              <a:fillRef idx="1">
+                <a:schemeClr val="accent1"/>
+              </a:fillRef>
+              <a:effectRef idx="0">
+                <a:schemeClr val="accent1"/>
+              </a:effectRef>
+              <a:fontRef idx="minor">
+                <a:schemeClr val="lt1"/>
+              </a:fontRef>
+            </p:style>
+            <p:txBody>
+              <a:bodyPr rtlCol="0" anchor="t"/>
+              <a:lstStyle/>
+              <a:p>
+                <a:pPr algn="ctr"/>
+                <a:r>
+                  <a:rPr lang="en-US" sz="2400" dirty="0" smtClean="0"/>
+                  <a:t>Estimate Pose</a:t>
+                </a:r>
+                <a:endParaRPr lang="en-US" sz="2400" dirty="0"/>
+              </a:p>
+            </p:txBody>
+          </p:sp>
+          <p:sp>
+            <p:nvSpPr>
+              <p:cNvPr id="27" name="Rectangle 26"/>
+              <p:cNvSpPr/>
+              <p:nvPr/>
+            </p:nvSpPr>
+            <p:spPr>
+              <a:xfrm>
+                <a:off x="3627709" y="2020138"/>
+                <a:ext cx="1653356" cy="834887"/>
+              </a:xfrm>
+              <a:prstGeom prst="rect">
+                <a:avLst/>
+              </a:prstGeom>
+            </p:spPr>
+            <p:style>
+              <a:lnRef idx="2">
+                <a:schemeClr val="accent1">
+                  <a:shade val="50000"/>
+                </a:schemeClr>
+              </a:lnRef>
+              <a:fillRef idx="1">
+                <a:schemeClr val="accent1"/>
+              </a:fillRef>
+              <a:effectRef idx="0">
+                <a:schemeClr val="accent1"/>
+              </a:effectRef>
+              <a:fontRef idx="minor">
+                <a:schemeClr val="lt1"/>
+              </a:fontRef>
+            </p:style>
+            <p:txBody>
+              <a:bodyPr rtlCol="0" anchor="ctr"/>
+              <a:lstStyle/>
+              <a:p>
+                <a:pPr algn="ctr"/>
+                <a:r>
+                  <a:rPr lang="en-US" dirty="0" err="1" smtClean="0"/>
+                  <a:t>PnPRansac</a:t>
+                </a:r>
+                <a:endParaRPr lang="en-US" dirty="0"/>
+              </a:p>
+            </p:txBody>
+          </p:sp>
+        </p:grpSp>
+        <p:sp>
+          <p:nvSpPr>
+            <p:cNvPr id="15" name="Rectangle 14"/>
+            <p:cNvSpPr/>
+            <p:nvPr/>
+          </p:nvSpPr>
+          <p:spPr>
+            <a:xfrm>
+              <a:off x="1441173" y="1977054"/>
+              <a:ext cx="1139687" cy="834887"/>
+            </a:xfrm>
+            <a:prstGeom prst="rect">
+              <a:avLst/>
+            </a:prstGeom>
+            <a:solidFill>
+              <a:schemeClr val="accent2"/>
+            </a:solidFill>
+          </p:spPr>
+          <p:style>
+            <a:lnRef idx="2">
+              <a:schemeClr val="accent1">
+                <a:shade val="50000"/>
+              </a:schemeClr>
+            </a:lnRef>
+            <a:fillRef idx="1">
+              <a:schemeClr val="accent1"/>
+            </a:fillRef>
+            <a:effectRef idx="0">
+              <a:schemeClr val="accent1"/>
+            </a:effectRef>
+            <a:fontRef idx="minor">
+              <a:schemeClr val="lt1"/>
+            </a:fontRef>
+          </p:style>
+          <p:txBody>
+            <a:bodyPr rtlCol="0" anchor="ctr"/>
+            <a:lstStyle/>
+            <a:p>
+              <a:pPr algn="ctr"/>
+              <a:r>
+                <a:rPr lang="en-US" dirty="0" smtClean="0"/>
+                <a:t>K</a:t>
+              </a:r>
+              <a:endParaRPr lang="en-US" dirty="0"/>
+            </a:p>
+          </p:txBody>
+        </p:sp>
+        <p:cxnSp>
+          <p:nvCxnSpPr>
+            <p:cNvPr id="17" name="Elbow Connector 16"/>
+            <p:cNvCxnSpPr>
+              <a:stCxn id="15" idx="3"/>
+              <a:endCxn id="27" idx="1"/>
+            </p:cNvCxnSpPr>
+            <p:nvPr/>
+          </p:nvCxnSpPr>
+          <p:spPr>
+            <a:xfrm>
+              <a:off x="2580860" y="2394498"/>
+              <a:ext cx="2856876" cy="1116510"/>
+            </a:xfrm>
+            <a:prstGeom prst="bentConnector3">
+              <a:avLst>
+                <a:gd name="adj1" fmla="val 50000"/>
+              </a:avLst>
+            </a:prstGeom>
+            <a:ln w="38100">
+              <a:solidFill>
+                <a:schemeClr val="tx1"/>
+              </a:solidFill>
+              <a:tailEnd type="triangle"/>
+            </a:ln>
+          </p:spPr>
+          <p:style>
+            <a:lnRef idx="1">
+              <a:schemeClr val="accent1"/>
+            </a:lnRef>
+            <a:fillRef idx="0">
+              <a:schemeClr val="accent1"/>
+            </a:fillRef>
+            <a:effectRef idx="0">
+              <a:schemeClr val="accent1"/>
+            </a:effectRef>
+            <a:fontRef idx="minor">
+              <a:schemeClr val="tx1"/>
+            </a:fontRef>
+          </p:style>
+        </p:cxnSp>
+        <p:cxnSp>
+          <p:nvCxnSpPr>
+            <p:cNvPr id="20" name="Elbow Connector 19"/>
+            <p:cNvCxnSpPr>
+              <a:stCxn id="2" idx="3"/>
+              <a:endCxn id="27" idx="1"/>
+            </p:cNvCxnSpPr>
+            <p:nvPr/>
+          </p:nvCxnSpPr>
+          <p:spPr>
+            <a:xfrm flipV="1">
+              <a:off x="2580861" y="3511008"/>
+              <a:ext cx="2856875" cy="1118976"/>
+            </a:xfrm>
+            <a:prstGeom prst="bentConnector3">
+              <a:avLst>
+                <a:gd name="adj1" fmla="val 50000"/>
+              </a:avLst>
+            </a:prstGeom>
+            <a:ln w="38100">
+              <a:solidFill>
+                <a:schemeClr val="tx1"/>
+              </a:solidFill>
+              <a:tailEnd type="triangle"/>
+            </a:ln>
+          </p:spPr>
+          <p:style>
+            <a:lnRef idx="1">
+              <a:schemeClr val="accent1"/>
+            </a:lnRef>
+            <a:fillRef idx="0">
+              <a:schemeClr val="accent1"/>
+            </a:fillRef>
+            <a:effectRef idx="0">
+              <a:schemeClr val="accent1"/>
+            </a:effectRef>
+            <a:fontRef idx="minor">
+              <a:schemeClr val="tx1"/>
+            </a:fontRef>
+          </p:style>
+        </p:cxnSp>
+        <p:cxnSp>
+          <p:nvCxnSpPr>
+            <p:cNvPr id="31" name="Straight Arrow Connector 30"/>
+            <p:cNvCxnSpPr>
+              <a:stCxn id="27" idx="3"/>
+              <a:endCxn id="101" idx="1"/>
+            </p:cNvCxnSpPr>
+            <p:nvPr/>
+          </p:nvCxnSpPr>
+          <p:spPr>
+            <a:xfrm>
+              <a:off x="6701256" y="3511008"/>
+              <a:ext cx="1786764" cy="1"/>
+            </a:xfrm>
+            <a:prstGeom prst="straightConnector1">
+              <a:avLst/>
+            </a:prstGeom>
+            <a:ln w="38100">
+              <a:solidFill>
+                <a:schemeClr val="tx1"/>
+              </a:solidFill>
+              <a:tailEnd type="triangle"/>
+            </a:ln>
+          </p:spPr>
+          <p:style>
+            <a:lnRef idx="1">
+              <a:schemeClr val="accent1"/>
+            </a:lnRef>
+            <a:fillRef idx="0">
+              <a:schemeClr val="accent1"/>
+            </a:fillRef>
+            <a:effectRef idx="0">
+              <a:schemeClr val="accent1"/>
+            </a:effectRef>
+            <a:fontRef idx="minor">
+              <a:schemeClr val="tx1"/>
+            </a:fontRef>
+          </p:style>
+        </p:cxnSp>
+        <p:cxnSp>
+          <p:nvCxnSpPr>
+            <p:cNvPr id="12" name="Straight Arrow Connector 11"/>
+            <p:cNvCxnSpPr>
+              <a:stCxn id="3" idx="3"/>
+              <a:endCxn id="27" idx="1"/>
+            </p:cNvCxnSpPr>
+            <p:nvPr/>
+          </p:nvCxnSpPr>
+          <p:spPr>
+            <a:xfrm flipV="1">
+              <a:off x="2620616" y="3511008"/>
+              <a:ext cx="2817120" cy="2"/>
+            </a:xfrm>
+            <a:prstGeom prst="straightConnector1">
+              <a:avLst/>
+            </a:prstGeom>
+            <a:ln w="38100">
+              <a:solidFill>
+                <a:schemeClr val="tx1"/>
+              </a:solidFill>
+              <a:tailEnd type="triangle"/>
+            </a:ln>
+          </p:spPr>
+          <p:style>
+            <a:lnRef idx="1">
+              <a:schemeClr val="accent1"/>
+            </a:lnRef>
+            <a:fillRef idx="0">
+              <a:schemeClr val="accent1"/>
+            </a:fillRef>
+            <a:effectRef idx="0">
+              <a:schemeClr val="accent1"/>
+            </a:effectRef>
+            <a:fontRef idx="minor">
+              <a:schemeClr val="tx1"/>
+            </a:fontRef>
+          </p:style>
+        </p:cxnSp>
       </p:grpSp>
-      <p:sp>
-        <p:nvSpPr>
-          <p:cNvPr id="15" name="Rectangle 14"/>
-          <p:cNvSpPr/>
-          <p:nvPr/>
-        </p:nvSpPr>
-        <p:spPr>
-          <a:xfrm>
-            <a:off x="1441173" y="1977054"/>
-            <a:ext cx="1139687" cy="834887"/>
-          </a:xfrm>
-          <a:prstGeom prst="rect">
-            <a:avLst/>
-          </a:prstGeom>
-          <a:solidFill>
-            <a:schemeClr val="accent2"/>
-          </a:solidFill>
-        </p:spPr>
-        <p:style>
-          <a:lnRef idx="2">
-            <a:schemeClr val="accent1">
-              <a:shade val="50000"/>
-            </a:schemeClr>
-          </a:lnRef>
-          <a:fillRef idx="1">
-            <a:schemeClr val="accent1"/>
-          </a:fillRef>
-          <a:effectRef idx="0">
-            <a:schemeClr val="accent1"/>
-          </a:effectRef>
-          <a:fontRef idx="minor">
-            <a:schemeClr val="lt1"/>
-          </a:fontRef>
-        </p:style>
-        <p:txBody>
-          <a:bodyPr rtlCol="0" anchor="ctr"/>
-          <a:lstStyle/>
-          <a:p>
-            <a:pPr algn="ctr"/>
-            <a:r>
-              <a:rPr lang="en-US" dirty="0" smtClean="0"/>
-              <a:t>K</a:t>
-            </a:r>
-            <a:endParaRPr lang="en-US" dirty="0"/>
-          </a:p>
-        </p:txBody>
-      </p:sp>
-      <p:cxnSp>
-        <p:nvCxnSpPr>
-          <p:cNvPr id="17" name="Elbow Connector 16"/>
-          <p:cNvCxnSpPr>
-            <a:stCxn id="15" idx="3"/>
-            <a:endCxn id="27" idx="1"/>
-          </p:cNvCxnSpPr>
-          <p:nvPr/>
-        </p:nvCxnSpPr>
-        <p:spPr>
-          <a:xfrm>
-            <a:off x="2580860" y="2394498"/>
-            <a:ext cx="2856876" cy="1116510"/>
-          </a:xfrm>
-          <a:prstGeom prst="bentConnector3">
-            <a:avLst>
-              <a:gd name="adj1" fmla="val 50000"/>
-            </a:avLst>
-          </a:prstGeom>
-          <a:ln w="38100">
-            <a:solidFill>
-              <a:schemeClr val="tx1"/>
-            </a:solidFill>
-            <a:tailEnd type="triangle"/>
-          </a:ln>
-        </p:spPr>
-        <p:style>
-          <a:lnRef idx="1">
-            <a:schemeClr val="accent1"/>
-          </a:lnRef>
-          <a:fillRef idx="0">
-            <a:schemeClr val="accent1"/>
-          </a:fillRef>
-          <a:effectRef idx="0">
-            <a:schemeClr val="accent1"/>
-          </a:effectRef>
-          <a:fontRef idx="minor">
-            <a:schemeClr val="tx1"/>
-          </a:fontRef>
-        </p:style>
-      </p:cxnSp>
-      <p:cxnSp>
-        <p:nvCxnSpPr>
-          <p:cNvPr id="20" name="Elbow Connector 19"/>
-          <p:cNvCxnSpPr>
-            <a:stCxn id="2" idx="3"/>
-            <a:endCxn id="27" idx="1"/>
-          </p:cNvCxnSpPr>
-          <p:nvPr/>
-        </p:nvCxnSpPr>
-        <p:spPr>
-          <a:xfrm flipV="1">
-            <a:off x="2580861" y="3511008"/>
-            <a:ext cx="2856875" cy="1118976"/>
-          </a:xfrm>
-          <a:prstGeom prst="bentConnector3">
-            <a:avLst>
-              <a:gd name="adj1" fmla="val 50000"/>
-            </a:avLst>
-          </a:prstGeom>
-          <a:ln w="38100">
-            <a:solidFill>
-              <a:schemeClr val="tx1"/>
-            </a:solidFill>
-            <a:tailEnd type="triangle"/>
-          </a:ln>
-        </p:spPr>
-        <p:style>
-          <a:lnRef idx="1">
-            <a:schemeClr val="accent1"/>
-          </a:lnRef>
-          <a:fillRef idx="0">
-            <a:schemeClr val="accent1"/>
-          </a:fillRef>
-          <a:effectRef idx="0">
-            <a:schemeClr val="accent1"/>
-          </a:effectRef>
-          <a:fontRef idx="minor">
-            <a:schemeClr val="tx1"/>
-          </a:fontRef>
-        </p:style>
-      </p:cxnSp>
-      <p:cxnSp>
-        <p:nvCxnSpPr>
-          <p:cNvPr id="31" name="Straight Arrow Connector 30"/>
-          <p:cNvCxnSpPr>
-            <a:stCxn id="27" idx="3"/>
-            <a:endCxn id="101" idx="1"/>
-          </p:cNvCxnSpPr>
-          <p:nvPr/>
-        </p:nvCxnSpPr>
-        <p:spPr>
-          <a:xfrm>
-            <a:off x="6701256" y="3511008"/>
-            <a:ext cx="1786764" cy="1"/>
-          </a:xfrm>
-          <a:prstGeom prst="straightConnector1">
-            <a:avLst/>
-          </a:prstGeom>
-          <a:ln w="38100">
-            <a:solidFill>
-              <a:schemeClr val="tx1"/>
-            </a:solidFill>
-            <a:tailEnd type="triangle"/>
-          </a:ln>
-        </p:spPr>
-        <p:style>
-          <a:lnRef idx="1">
-            <a:schemeClr val="accent1"/>
-          </a:lnRef>
-          <a:fillRef idx="0">
-            <a:schemeClr val="accent1"/>
-          </a:fillRef>
-          <a:effectRef idx="0">
-            <a:schemeClr val="accent1"/>
-          </a:effectRef>
-          <a:fontRef idx="minor">
-            <a:schemeClr val="tx1"/>
-          </a:fontRef>
-        </p:style>
-      </p:cxnSp>
-      <p:cxnSp>
-        <p:nvCxnSpPr>
-          <p:cNvPr id="12" name="Straight Arrow Connector 11"/>
-          <p:cNvCxnSpPr>
-            <a:stCxn id="3" idx="3"/>
-            <a:endCxn id="27" idx="1"/>
-          </p:cNvCxnSpPr>
-          <p:nvPr/>
-        </p:nvCxnSpPr>
-        <p:spPr>
-          <a:xfrm flipV="1">
-            <a:off x="2620616" y="3511008"/>
-            <a:ext cx="2817120" cy="2"/>
-          </a:xfrm>
-          <a:prstGeom prst="straightConnector1">
-            <a:avLst/>
-          </a:prstGeom>
-          <a:ln w="38100">
-            <a:solidFill>
-              <a:schemeClr val="tx1"/>
-            </a:solidFill>
-            <a:tailEnd type="triangle"/>
-          </a:ln>
-        </p:spPr>
-        <p:style>
-          <a:lnRef idx="1">
-            <a:schemeClr val="accent1"/>
-          </a:lnRef>
-          <a:fillRef idx="0">
-            <a:schemeClr val="accent1"/>
-          </a:fillRef>
-          <a:effectRef idx="0">
-            <a:schemeClr val="accent1"/>
-          </a:effectRef>
-          <a:fontRef idx="minor">
-            <a:schemeClr val="tx1"/>
-          </a:fontRef>
-        </p:style>
-      </p:cxnSp>
     </p:spTree>
     <p:extLst>
       <p:ext uri="{BB962C8B-B14F-4D97-AF65-F5344CB8AC3E}">
@@ -7116,269 +7242,30 @@
           <a:chExt cx="0" cy="0"/>
         </a:xfrm>
       </p:grpSpPr>
-      <p:sp>
-        <p:nvSpPr>
-          <p:cNvPr id="101" name="Rectangle 100"/>
-          <p:cNvSpPr/>
-          <p:nvPr/>
-        </p:nvSpPr>
-        <p:spPr>
-          <a:xfrm>
-            <a:off x="8488020" y="3242449"/>
-            <a:ext cx="1447815" cy="624923"/>
-          </a:xfrm>
-          <a:prstGeom prst="rect">
-            <a:avLst/>
-          </a:prstGeom>
-          <a:solidFill>
-            <a:schemeClr val="accent2"/>
-          </a:solidFill>
-        </p:spPr>
-        <p:style>
-          <a:lnRef idx="2">
-            <a:schemeClr val="accent1">
-              <a:shade val="50000"/>
-            </a:schemeClr>
-          </a:lnRef>
-          <a:fillRef idx="1">
-            <a:schemeClr val="accent1"/>
-          </a:fillRef>
-          <a:effectRef idx="0">
-            <a:schemeClr val="accent1"/>
-          </a:effectRef>
-          <a:fontRef idx="minor">
-            <a:schemeClr val="lt1"/>
-          </a:fontRef>
-        </p:style>
-        <p:txBody>
-          <a:bodyPr rtlCol="0" anchor="ctr"/>
-          <a:lstStyle/>
-          <a:p>
-            <a:pPr algn="ctr"/>
-            <a:r>
-              <a:rPr lang="en-US" dirty="0" smtClean="0"/>
-              <a:t>Landmarks</a:t>
-            </a:r>
-            <a:endParaRPr lang="en-US" dirty="0"/>
-          </a:p>
-        </p:txBody>
-      </p:sp>
       <p:grpSp>
         <p:nvGrpSpPr>
-          <p:cNvPr id="23" name="Group 22"/>
-          <p:cNvGrpSpPr/>
-          <p:nvPr/>
-        </p:nvGrpSpPr>
-        <p:grpSpPr>
-          <a:xfrm>
-            <a:off x="4399722" y="2265720"/>
-            <a:ext cx="3339548" cy="2490576"/>
-            <a:chOff x="2269435" y="1192295"/>
-            <a:chExt cx="4369904" cy="2490576"/>
-          </a:xfrm>
-        </p:grpSpPr>
-        <p:sp>
-          <p:nvSpPr>
-            <p:cNvPr id="69" name="Rectangle 68"/>
-            <p:cNvSpPr/>
-            <p:nvPr/>
-          </p:nvSpPr>
-          <p:spPr>
-            <a:xfrm>
-              <a:off x="2269435" y="1192295"/>
-              <a:ext cx="4369904" cy="2490576"/>
-            </a:xfrm>
-            <a:prstGeom prst="rect">
-              <a:avLst/>
-            </a:prstGeom>
-            <a:solidFill>
-              <a:schemeClr val="accent6">
-                <a:lumMod val="75000"/>
-              </a:schemeClr>
-            </a:solidFill>
-          </p:spPr>
-          <p:style>
-            <a:lnRef idx="2">
-              <a:schemeClr val="accent1">
-                <a:shade val="50000"/>
-              </a:schemeClr>
-            </a:lnRef>
-            <a:fillRef idx="1">
-              <a:schemeClr val="accent1"/>
-            </a:fillRef>
-            <a:effectRef idx="0">
-              <a:schemeClr val="accent1"/>
-            </a:effectRef>
-            <a:fontRef idx="minor">
-              <a:schemeClr val="lt1"/>
-            </a:fontRef>
-          </p:style>
-          <p:txBody>
-            <a:bodyPr rtlCol="0" anchor="t"/>
-            <a:lstStyle/>
-            <a:p>
-              <a:pPr algn="ctr"/>
-              <a:r>
-                <a:rPr lang="en-US" sz="2400" dirty="0" smtClean="0"/>
-                <a:t>Triangulate New </a:t>
-              </a:r>
-              <a:r>
-                <a:rPr lang="en-US" sz="2400" dirty="0" err="1" smtClean="0"/>
-                <a:t>Landmaks</a:t>
-              </a:r>
-              <a:endParaRPr lang="en-US" sz="2400" dirty="0"/>
-            </a:p>
-          </p:txBody>
-        </p:sp>
-        <p:sp>
-          <p:nvSpPr>
-            <p:cNvPr id="27" name="Rectangle 26"/>
-            <p:cNvSpPr/>
-            <p:nvPr/>
-          </p:nvSpPr>
-          <p:spPr>
-            <a:xfrm>
-              <a:off x="3627709" y="2064043"/>
-              <a:ext cx="1653356" cy="834887"/>
-            </a:xfrm>
-            <a:prstGeom prst="rect">
-              <a:avLst/>
-            </a:prstGeom>
-          </p:spPr>
-          <p:style>
-            <a:lnRef idx="2">
-              <a:schemeClr val="accent1">
-                <a:shade val="50000"/>
-              </a:schemeClr>
-            </a:lnRef>
-            <a:fillRef idx="1">
-              <a:schemeClr val="accent1"/>
-            </a:fillRef>
-            <a:effectRef idx="0">
-              <a:schemeClr val="accent1"/>
-            </a:effectRef>
-            <a:fontRef idx="minor">
-              <a:schemeClr val="lt1"/>
-            </a:fontRef>
-          </p:style>
-          <p:txBody>
-            <a:bodyPr rtlCol="0" anchor="ctr"/>
-            <a:lstStyle/>
-            <a:p>
-              <a:pPr algn="ctr"/>
-              <a:r>
-                <a:rPr lang="en-US" dirty="0" smtClean="0"/>
-                <a:t>Triangulate</a:t>
-              </a:r>
-              <a:endParaRPr lang="en-US" dirty="0"/>
-            </a:p>
-          </p:txBody>
-        </p:sp>
-      </p:grpSp>
-      <p:cxnSp>
-        <p:nvCxnSpPr>
-          <p:cNvPr id="17" name="Elbow Connector 16"/>
-          <p:cNvCxnSpPr>
-            <a:stCxn id="14" idx="3"/>
-            <a:endCxn id="27" idx="1"/>
-          </p:cNvCxnSpPr>
-          <p:nvPr/>
-        </p:nvCxnSpPr>
-        <p:spPr>
-          <a:xfrm>
-            <a:off x="1833144" y="1582011"/>
-            <a:ext cx="3604592" cy="1972901"/>
-          </a:xfrm>
-          <a:prstGeom prst="bentConnector3">
-            <a:avLst>
-              <a:gd name="adj1" fmla="val 50000"/>
-            </a:avLst>
-          </a:prstGeom>
-          <a:ln w="38100">
-            <a:solidFill>
-              <a:schemeClr val="tx1"/>
-            </a:solidFill>
-            <a:tailEnd type="triangle"/>
-          </a:ln>
-        </p:spPr>
-        <p:style>
-          <a:lnRef idx="1">
-            <a:schemeClr val="accent1"/>
-          </a:lnRef>
-          <a:fillRef idx="0">
-            <a:schemeClr val="accent1"/>
-          </a:fillRef>
-          <a:effectRef idx="0">
-            <a:schemeClr val="accent1"/>
-          </a:effectRef>
-          <a:fontRef idx="minor">
-            <a:schemeClr val="tx1"/>
-          </a:fontRef>
-        </p:style>
-      </p:cxnSp>
-      <p:cxnSp>
-        <p:nvCxnSpPr>
-          <p:cNvPr id="31" name="Straight Arrow Connector 30"/>
-          <p:cNvCxnSpPr>
-            <a:stCxn id="27" idx="3"/>
-            <a:endCxn id="101" idx="1"/>
-          </p:cNvCxnSpPr>
-          <p:nvPr/>
-        </p:nvCxnSpPr>
-        <p:spPr>
-          <a:xfrm flipV="1">
-            <a:off x="6701256" y="3554911"/>
-            <a:ext cx="1786764" cy="1"/>
-          </a:xfrm>
-          <a:prstGeom prst="straightConnector1">
-            <a:avLst/>
-          </a:prstGeom>
-          <a:ln w="38100">
-            <a:solidFill>
-              <a:schemeClr val="tx1"/>
-            </a:solidFill>
-            <a:tailEnd type="triangle"/>
-          </a:ln>
-        </p:spPr>
-        <p:style>
-          <a:lnRef idx="1">
-            <a:schemeClr val="accent1"/>
-          </a:lnRef>
-          <a:fillRef idx="0">
-            <a:schemeClr val="accent1"/>
-          </a:fillRef>
-          <a:effectRef idx="0">
-            <a:schemeClr val="accent1"/>
-          </a:effectRef>
-          <a:fontRef idx="minor">
-            <a:schemeClr val="tx1"/>
-          </a:fontRef>
-        </p:style>
-      </p:cxnSp>
-      <p:grpSp>
-        <p:nvGrpSpPr>
-          <p:cNvPr id="37" name="Group 36"/>
+          <p:cNvPr id="46" name="Group 45"/>
           <p:cNvGrpSpPr/>
           <p:nvPr/>
         </p:nvGrpSpPr>
         <p:grpSpPr>
           <a:xfrm>
             <a:off x="471482" y="1164567"/>
-            <a:ext cx="1361662" cy="4692881"/>
-            <a:chOff x="259447" y="1373289"/>
-            <a:chExt cx="1361662" cy="4692881"/>
+            <a:ext cx="9464353" cy="4692881"/>
+            <a:chOff x="471482" y="1164567"/>
+            <a:chExt cx="9464353" cy="4692881"/>
           </a:xfrm>
         </p:grpSpPr>
         <p:sp>
           <p:nvSpPr>
-            <p:cNvPr id="15" name="Rectangle 14"/>
+            <p:cNvPr id="101" name="Rectangle 100"/>
             <p:cNvSpPr/>
             <p:nvPr/>
           </p:nvSpPr>
           <p:spPr>
             <a:xfrm>
-              <a:off x="360495" y="3346193"/>
-              <a:ext cx="1139687" cy="834887"/>
+              <a:off x="8488020" y="3242449"/>
+              <a:ext cx="1447815" cy="624923"/>
             </a:xfrm>
             <a:prstGeom prst="rect">
               <a:avLst/>
@@ -7410,7 +7297,7 @@
               <a:pPr algn="ctr"/>
               <a:r>
                 <a:rPr lang="en-US" dirty="0" smtClean="0"/>
-                <a:t>K</a:t>
+                <a:t>Landmarks</a:t>
               </a:r>
               <a:endParaRPr lang="en-US" dirty="0"/>
             </a:p>
@@ -7418,28 +7305,220 @@
         </p:sp>
         <p:grpSp>
           <p:nvGrpSpPr>
-            <p:cNvPr id="9" name="Group 8"/>
+            <p:cNvPr id="23" name="Group 22"/>
             <p:cNvGrpSpPr/>
             <p:nvPr/>
           </p:nvGrpSpPr>
           <p:grpSpPr>
             <a:xfrm>
-              <a:off x="279324" y="1373289"/>
-              <a:ext cx="1341785" cy="1770809"/>
-              <a:chOff x="279325" y="1599387"/>
-              <a:chExt cx="1341785" cy="1770809"/>
+              <a:off x="4399722" y="2265720"/>
+              <a:ext cx="3339548" cy="2490576"/>
+              <a:chOff x="2269435" y="1192295"/>
+              <a:chExt cx="4369904" cy="2490576"/>
             </a:xfrm>
           </p:grpSpPr>
           <p:sp>
             <p:nvSpPr>
-              <p:cNvPr id="2" name="Rectangle 1"/>
+              <p:cNvPr id="69" name="Rectangle 68"/>
               <p:cNvSpPr/>
               <p:nvPr/>
             </p:nvSpPr>
             <p:spPr>
               <a:xfrm>
-                <a:off x="279326" y="2535309"/>
-                <a:ext cx="1302031" cy="834887"/>
+                <a:off x="2269435" y="1192295"/>
+                <a:ext cx="4369904" cy="2490576"/>
+              </a:xfrm>
+              <a:prstGeom prst="rect">
+                <a:avLst/>
+              </a:prstGeom>
+              <a:solidFill>
+                <a:schemeClr val="accent6">
+                  <a:lumMod val="75000"/>
+                </a:schemeClr>
+              </a:solidFill>
+            </p:spPr>
+            <p:style>
+              <a:lnRef idx="2">
+                <a:schemeClr val="accent1">
+                  <a:shade val="50000"/>
+                </a:schemeClr>
+              </a:lnRef>
+              <a:fillRef idx="1">
+                <a:schemeClr val="accent1"/>
+              </a:fillRef>
+              <a:effectRef idx="0">
+                <a:schemeClr val="accent1"/>
+              </a:effectRef>
+              <a:fontRef idx="minor">
+                <a:schemeClr val="lt1"/>
+              </a:fontRef>
+            </p:style>
+            <p:txBody>
+              <a:bodyPr rtlCol="0" anchor="t"/>
+              <a:lstStyle/>
+              <a:p>
+                <a:pPr algn="ctr"/>
+                <a:r>
+                  <a:rPr lang="en-US" sz="2400" dirty="0" smtClean="0"/>
+                  <a:t>Triangulate New </a:t>
+                </a:r>
+                <a:r>
+                  <a:rPr lang="en-US" sz="2400" dirty="0" err="1" smtClean="0"/>
+                  <a:t>Landmaks</a:t>
+                </a:r>
+                <a:endParaRPr lang="en-US" sz="2400" dirty="0"/>
+              </a:p>
+            </p:txBody>
+          </p:sp>
+          <p:sp>
+            <p:nvSpPr>
+              <p:cNvPr id="27" name="Rectangle 26"/>
+              <p:cNvSpPr/>
+              <p:nvPr/>
+            </p:nvSpPr>
+            <p:spPr>
+              <a:xfrm>
+                <a:off x="3627709" y="2064043"/>
+                <a:ext cx="1653356" cy="834887"/>
+              </a:xfrm>
+              <a:prstGeom prst="rect">
+                <a:avLst/>
+              </a:prstGeom>
+            </p:spPr>
+            <p:style>
+              <a:lnRef idx="2">
+                <a:schemeClr val="accent1">
+                  <a:shade val="50000"/>
+                </a:schemeClr>
+              </a:lnRef>
+              <a:fillRef idx="1">
+                <a:schemeClr val="accent1"/>
+              </a:fillRef>
+              <a:effectRef idx="0">
+                <a:schemeClr val="accent1"/>
+              </a:effectRef>
+              <a:fontRef idx="minor">
+                <a:schemeClr val="lt1"/>
+              </a:fontRef>
+            </p:style>
+            <p:txBody>
+              <a:bodyPr rtlCol="0" anchor="ctr"/>
+              <a:lstStyle/>
+              <a:p>
+                <a:pPr algn="ctr"/>
+                <a:r>
+                  <a:rPr lang="en-US" dirty="0" smtClean="0"/>
+                  <a:t>Triangulate</a:t>
+                </a:r>
+                <a:endParaRPr lang="en-US" dirty="0"/>
+              </a:p>
+            </p:txBody>
+          </p:sp>
+        </p:grpSp>
+        <p:cxnSp>
+          <p:nvCxnSpPr>
+            <p:cNvPr id="17" name="Elbow Connector 16"/>
+            <p:cNvCxnSpPr>
+              <a:stCxn id="14" idx="3"/>
+              <a:endCxn id="27" idx="1"/>
+            </p:cNvCxnSpPr>
+            <p:nvPr/>
+          </p:nvCxnSpPr>
+          <p:spPr>
+            <a:xfrm>
+              <a:off x="1833144" y="1582011"/>
+              <a:ext cx="3604592" cy="1972901"/>
+            </a:xfrm>
+            <a:prstGeom prst="bentConnector3">
+              <a:avLst>
+                <a:gd name="adj1" fmla="val 50000"/>
+              </a:avLst>
+            </a:prstGeom>
+            <a:ln w="38100">
+              <a:solidFill>
+                <a:schemeClr val="tx1"/>
+              </a:solidFill>
+              <a:tailEnd type="triangle"/>
+            </a:ln>
+          </p:spPr>
+          <p:style>
+            <a:lnRef idx="1">
+              <a:schemeClr val="accent1"/>
+            </a:lnRef>
+            <a:fillRef idx="0">
+              <a:schemeClr val="accent1"/>
+            </a:fillRef>
+            <a:effectRef idx="0">
+              <a:schemeClr val="accent1"/>
+            </a:effectRef>
+            <a:fontRef idx="minor">
+              <a:schemeClr val="tx1"/>
+            </a:fontRef>
+          </p:style>
+        </p:cxnSp>
+        <p:cxnSp>
+          <p:nvCxnSpPr>
+            <p:cNvPr id="31" name="Straight Arrow Connector 30"/>
+            <p:cNvCxnSpPr>
+              <a:stCxn id="27" idx="3"/>
+              <a:endCxn id="101" idx="1"/>
+            </p:cNvCxnSpPr>
+            <p:nvPr/>
+          </p:nvCxnSpPr>
+          <p:spPr>
+            <a:xfrm flipV="1">
+              <a:off x="6701256" y="3554911"/>
+              <a:ext cx="1786764" cy="1"/>
+            </a:xfrm>
+            <a:prstGeom prst="straightConnector1">
+              <a:avLst/>
+            </a:prstGeom>
+            <a:ln w="38100">
+              <a:solidFill>
+                <a:schemeClr val="tx1"/>
+              </a:solidFill>
+              <a:tailEnd type="triangle"/>
+            </a:ln>
+          </p:spPr>
+          <p:style>
+            <a:lnRef idx="1">
+              <a:schemeClr val="accent1"/>
+            </a:lnRef>
+            <a:fillRef idx="0">
+              <a:schemeClr val="accent1"/>
+            </a:fillRef>
+            <a:effectRef idx="0">
+              <a:schemeClr val="accent1"/>
+            </a:effectRef>
+            <a:fontRef idx="minor">
+              <a:schemeClr val="tx1"/>
+            </a:fontRef>
+          </p:style>
+        </p:cxnSp>
+        <p:grpSp>
+          <p:nvGrpSpPr>
+            <p:cNvPr id="37" name="Group 36"/>
+            <p:cNvGrpSpPr/>
+            <p:nvPr/>
+          </p:nvGrpSpPr>
+          <p:grpSpPr>
+            <a:xfrm>
+              <a:off x="471482" y="1164567"/>
+              <a:ext cx="1361662" cy="4692881"/>
+              <a:chOff x="259447" y="1373289"/>
+              <a:chExt cx="1361662" cy="4692881"/>
+            </a:xfrm>
+          </p:grpSpPr>
+          <p:sp>
+            <p:nvSpPr>
+              <p:cNvPr id="15" name="Rectangle 14"/>
+              <p:cNvSpPr/>
+              <p:nvPr/>
+            </p:nvSpPr>
+            <p:spPr>
+              <a:xfrm>
+                <a:off x="360495" y="3346193"/>
+                <a:ext cx="1139687" cy="834887"/>
               </a:xfrm>
               <a:prstGeom prst="rect">
                 <a:avLst/>
@@ -7470,343 +7549,405 @@
               <a:p>
                 <a:pPr algn="ctr"/>
                 <a:r>
-                  <a:rPr lang="en-US" dirty="0" err="1" smtClean="0"/>
-                  <a:t>KeyPoints</a:t>
-                </a:r>
-                <a:r>
                   <a:rPr lang="en-US" dirty="0" smtClean="0"/>
-                  <a:t> 1</a:t>
+                  <a:t>K</a:t>
                 </a:r>
                 <a:endParaRPr lang="en-US" dirty="0"/>
               </a:p>
             </p:txBody>
           </p:sp>
-          <p:sp>
-            <p:nvSpPr>
-              <p:cNvPr id="14" name="Rectangle 13"/>
-              <p:cNvSpPr/>
+          <p:grpSp>
+            <p:nvGrpSpPr>
+              <p:cNvPr id="9" name="Group 8"/>
+              <p:cNvGrpSpPr/>
               <p:nvPr/>
-            </p:nvSpPr>
-            <p:spPr>
+            </p:nvGrpSpPr>
+            <p:grpSpPr>
               <a:xfrm>
-                <a:off x="279325" y="1599387"/>
-                <a:ext cx="1341785" cy="834887"/>
+                <a:off x="279324" y="1373289"/>
+                <a:ext cx="1341785" cy="1770809"/>
+                <a:chOff x="279325" y="1599387"/>
+                <a:chExt cx="1341785" cy="1770809"/>
               </a:xfrm>
-              <a:prstGeom prst="rect">
-                <a:avLst/>
-              </a:prstGeom>
+            </p:grpSpPr>
+            <p:sp>
+              <p:nvSpPr>
+                <p:cNvPr id="2" name="Rectangle 1"/>
+                <p:cNvSpPr/>
+                <p:nvPr/>
+              </p:nvSpPr>
+              <p:spPr>
+                <a:xfrm>
+                  <a:off x="279326" y="2535309"/>
+                  <a:ext cx="1302031" cy="834887"/>
+                </a:xfrm>
+                <a:prstGeom prst="rect">
+                  <a:avLst/>
+                </a:prstGeom>
+                <a:solidFill>
+                  <a:schemeClr val="accent2"/>
+                </a:solidFill>
+              </p:spPr>
+              <p:style>
+                <a:lnRef idx="2">
+                  <a:schemeClr val="accent1">
+                    <a:shade val="50000"/>
+                  </a:schemeClr>
+                </a:lnRef>
+                <a:fillRef idx="1">
+                  <a:schemeClr val="accent1"/>
+                </a:fillRef>
+                <a:effectRef idx="0">
+                  <a:schemeClr val="accent1"/>
+                </a:effectRef>
+                <a:fontRef idx="minor">
+                  <a:schemeClr val="lt1"/>
+                </a:fontRef>
+              </p:style>
+              <p:txBody>
+                <a:bodyPr rtlCol="0" anchor="ctr"/>
+                <a:lstStyle/>
+                <a:p>
+                  <a:pPr algn="ctr"/>
+                  <a:r>
+                    <a:rPr lang="en-US" dirty="0" err="1" smtClean="0"/>
+                    <a:t>KeyPoints</a:t>
+                  </a:r>
+                  <a:r>
+                    <a:rPr lang="en-US" dirty="0" smtClean="0"/>
+                    <a:t> 1</a:t>
+                  </a:r>
+                  <a:endParaRPr lang="en-US" dirty="0"/>
+                </a:p>
+              </p:txBody>
+            </p:sp>
+            <p:sp>
+              <p:nvSpPr>
+                <p:cNvPr id="14" name="Rectangle 13"/>
+                <p:cNvSpPr/>
+                <p:nvPr/>
+              </p:nvSpPr>
+              <p:spPr>
+                <a:xfrm>
+                  <a:off x="279325" y="1599387"/>
+                  <a:ext cx="1341785" cy="834887"/>
+                </a:xfrm>
+                <a:prstGeom prst="rect">
+                  <a:avLst/>
+                </a:prstGeom>
+                <a:solidFill>
+                  <a:schemeClr val="accent2"/>
+                </a:solidFill>
+              </p:spPr>
+              <p:style>
+                <a:lnRef idx="2">
+                  <a:schemeClr val="accent1">
+                    <a:shade val="50000"/>
+                  </a:schemeClr>
+                </a:lnRef>
+                <a:fillRef idx="1">
+                  <a:schemeClr val="accent1"/>
+                </a:fillRef>
+                <a:effectRef idx="0">
+                  <a:schemeClr val="accent1"/>
+                </a:effectRef>
+                <a:fontRef idx="minor">
+                  <a:schemeClr val="lt1"/>
+                </a:fontRef>
+              </p:style>
+              <p:txBody>
+                <a:bodyPr rtlCol="0" anchor="ctr"/>
+                <a:lstStyle/>
+                <a:p>
+                  <a:pPr algn="ctr"/>
+                  <a:r>
+                    <a:rPr lang="en-US" dirty="0" smtClean="0"/>
+                    <a:t>Pose Cam1</a:t>
+                  </a:r>
+                  <a:endParaRPr lang="en-US" dirty="0"/>
+                </a:p>
+              </p:txBody>
+            </p:sp>
+          </p:grpSp>
+          <p:grpSp>
+            <p:nvGrpSpPr>
+              <p:cNvPr id="7" name="Group 6"/>
+              <p:cNvGrpSpPr/>
+              <p:nvPr/>
+            </p:nvGrpSpPr>
+            <p:grpSpPr>
+              <a:xfrm>
+                <a:off x="259447" y="4295361"/>
+                <a:ext cx="1341785" cy="1770809"/>
+                <a:chOff x="2667513" y="4338853"/>
+                <a:chExt cx="1341785" cy="1770809"/>
+              </a:xfrm>
+            </p:grpSpPr>
+            <p:sp>
+              <p:nvSpPr>
+                <p:cNvPr id="16" name="Rectangle 15"/>
+                <p:cNvSpPr/>
+                <p:nvPr/>
+              </p:nvSpPr>
+              <p:spPr>
+                <a:xfrm>
+                  <a:off x="2667513" y="5274775"/>
+                  <a:ext cx="1341785" cy="834887"/>
+                </a:xfrm>
+                <a:prstGeom prst="rect">
+                  <a:avLst/>
+                </a:prstGeom>
+                <a:solidFill>
+                  <a:schemeClr val="accent2"/>
+                </a:solidFill>
+              </p:spPr>
+              <p:style>
+                <a:lnRef idx="2">
+                  <a:schemeClr val="accent1">
+                    <a:shade val="50000"/>
+                  </a:schemeClr>
+                </a:lnRef>
+                <a:fillRef idx="1">
+                  <a:schemeClr val="accent1"/>
+                </a:fillRef>
+                <a:effectRef idx="0">
+                  <a:schemeClr val="accent1"/>
+                </a:effectRef>
+                <a:fontRef idx="minor">
+                  <a:schemeClr val="lt1"/>
+                </a:fontRef>
+              </p:style>
+              <p:txBody>
+                <a:bodyPr rtlCol="0" anchor="ctr"/>
+                <a:lstStyle/>
+                <a:p>
+                  <a:pPr algn="ctr"/>
+                  <a:r>
+                    <a:rPr lang="en-US" dirty="0" err="1" smtClean="0"/>
+                    <a:t>KeyPoints</a:t>
+                  </a:r>
+                  <a:r>
+                    <a:rPr lang="en-US" dirty="0" smtClean="0"/>
+                    <a:t> 2</a:t>
+                  </a:r>
+                  <a:endParaRPr lang="en-US" dirty="0"/>
+                </a:p>
+              </p:txBody>
+            </p:sp>
+            <p:sp>
+              <p:nvSpPr>
+                <p:cNvPr id="18" name="Rectangle 17"/>
+                <p:cNvSpPr/>
+                <p:nvPr/>
+              </p:nvSpPr>
+              <p:spPr>
+                <a:xfrm>
+                  <a:off x="2667513" y="4338853"/>
+                  <a:ext cx="1341785" cy="834887"/>
+                </a:xfrm>
+                <a:prstGeom prst="rect">
+                  <a:avLst/>
+                </a:prstGeom>
+                <a:solidFill>
+                  <a:schemeClr val="accent2"/>
+                </a:solidFill>
+              </p:spPr>
+              <p:style>
+                <a:lnRef idx="2">
+                  <a:schemeClr val="accent1">
+                    <a:shade val="50000"/>
+                  </a:schemeClr>
+                </a:lnRef>
+                <a:fillRef idx="1">
+                  <a:schemeClr val="accent1"/>
+                </a:fillRef>
+                <a:effectRef idx="0">
+                  <a:schemeClr val="accent1"/>
+                </a:effectRef>
+                <a:fontRef idx="minor">
+                  <a:schemeClr val="lt1"/>
+                </a:fontRef>
+              </p:style>
+              <p:txBody>
+                <a:bodyPr rtlCol="0" anchor="ctr"/>
+                <a:lstStyle/>
+                <a:p>
+                  <a:pPr algn="ctr"/>
+                  <a:r>
+                    <a:rPr lang="en-US" dirty="0" smtClean="0"/>
+                    <a:t>Pose Cam2</a:t>
+                  </a:r>
+                  <a:endParaRPr lang="en-US" dirty="0"/>
+                </a:p>
+              </p:txBody>
+            </p:sp>
+          </p:grpSp>
+        </p:grpSp>
+        <p:cxnSp>
+          <p:nvCxnSpPr>
+            <p:cNvPr id="28" name="Elbow Connector 27"/>
+            <p:cNvCxnSpPr>
+              <a:stCxn id="2" idx="3"/>
+              <a:endCxn id="27" idx="1"/>
+            </p:cNvCxnSpPr>
+            <p:nvPr/>
+          </p:nvCxnSpPr>
+          <p:spPr>
+            <a:xfrm>
+              <a:off x="1793391" y="2517933"/>
+              <a:ext cx="3644345" cy="1036979"/>
+            </a:xfrm>
+            <a:prstGeom prst="bentConnector3">
+              <a:avLst>
+                <a:gd name="adj1" fmla="val 50000"/>
+              </a:avLst>
+            </a:prstGeom>
+            <a:ln w="38100">
               <a:solidFill>
-                <a:schemeClr val="accent2"/>
+                <a:schemeClr val="tx1"/>
               </a:solidFill>
-            </p:spPr>
-            <p:style>
-              <a:lnRef idx="2">
-                <a:schemeClr val="accent1">
-                  <a:shade val="50000"/>
-                </a:schemeClr>
-              </a:lnRef>
-              <a:fillRef idx="1">
-                <a:schemeClr val="accent1"/>
-              </a:fillRef>
-              <a:effectRef idx="0">
-                <a:schemeClr val="accent1"/>
-              </a:effectRef>
-              <a:fontRef idx="minor">
-                <a:schemeClr val="lt1"/>
-              </a:fontRef>
-            </p:style>
-            <p:txBody>
-              <a:bodyPr rtlCol="0" anchor="ctr"/>
-              <a:lstStyle/>
-              <a:p>
-                <a:pPr algn="ctr"/>
-                <a:r>
-                  <a:rPr lang="en-US" dirty="0" smtClean="0"/>
-                  <a:t>Pose Cam1</a:t>
-                </a:r>
-                <a:endParaRPr lang="en-US" dirty="0"/>
-              </a:p>
-            </p:txBody>
-          </p:sp>
-        </p:grpSp>
-        <p:grpSp>
-          <p:nvGrpSpPr>
-            <p:cNvPr id="7" name="Group 6"/>
-            <p:cNvGrpSpPr/>
+              <a:tailEnd type="triangle"/>
+            </a:ln>
+          </p:spPr>
+          <p:style>
+            <a:lnRef idx="1">
+              <a:schemeClr val="accent1"/>
+            </a:lnRef>
+            <a:fillRef idx="0">
+              <a:schemeClr val="accent1"/>
+            </a:fillRef>
+            <a:effectRef idx="0">
+              <a:schemeClr val="accent1"/>
+            </a:effectRef>
+            <a:fontRef idx="minor">
+              <a:schemeClr val="tx1"/>
+            </a:fontRef>
+          </p:style>
+        </p:cxnSp>
+        <p:cxnSp>
+          <p:nvCxnSpPr>
+            <p:cNvPr id="30" name="Elbow Connector 29"/>
+            <p:cNvCxnSpPr>
+              <a:stCxn id="15" idx="3"/>
+              <a:endCxn id="27" idx="1"/>
+            </p:cNvCxnSpPr>
             <p:nvPr/>
-          </p:nvGrpSpPr>
-          <p:grpSpPr>
-            <a:xfrm>
-              <a:off x="259447" y="4295361"/>
-              <a:ext cx="1341785" cy="1770809"/>
-              <a:chOff x="2667513" y="4338853"/>
-              <a:chExt cx="1341785" cy="1770809"/>
+          </p:nvCxnSpPr>
+          <p:spPr>
+            <a:xfrm flipV="1">
+              <a:off x="1712217" y="3554912"/>
+              <a:ext cx="3725519" cy="3"/>
             </a:xfrm>
-          </p:grpSpPr>
-          <p:sp>
-            <p:nvSpPr>
-              <p:cNvPr id="16" name="Rectangle 15"/>
-              <p:cNvSpPr/>
-              <p:nvPr/>
-            </p:nvSpPr>
-            <p:spPr>
-              <a:xfrm>
-                <a:off x="2667513" y="5274775"/>
-                <a:ext cx="1341785" cy="834887"/>
-              </a:xfrm>
-              <a:prstGeom prst="rect">
-                <a:avLst/>
-              </a:prstGeom>
+            <a:prstGeom prst="bentConnector3">
+              <a:avLst>
+                <a:gd name="adj1" fmla="val 50000"/>
+              </a:avLst>
+            </a:prstGeom>
+            <a:ln w="38100">
               <a:solidFill>
-                <a:schemeClr val="accent2"/>
+                <a:schemeClr val="tx1"/>
               </a:solidFill>
-            </p:spPr>
-            <p:style>
-              <a:lnRef idx="2">
-                <a:schemeClr val="accent1">
-                  <a:shade val="50000"/>
-                </a:schemeClr>
-              </a:lnRef>
-              <a:fillRef idx="1">
-                <a:schemeClr val="accent1"/>
-              </a:fillRef>
-              <a:effectRef idx="0">
-                <a:schemeClr val="accent1"/>
-              </a:effectRef>
-              <a:fontRef idx="minor">
-                <a:schemeClr val="lt1"/>
-              </a:fontRef>
-            </p:style>
-            <p:txBody>
-              <a:bodyPr rtlCol="0" anchor="ctr"/>
-              <a:lstStyle/>
-              <a:p>
-                <a:pPr algn="ctr"/>
-                <a:r>
-                  <a:rPr lang="en-US" dirty="0" err="1" smtClean="0"/>
-                  <a:t>KeyPoints</a:t>
-                </a:r>
-                <a:r>
-                  <a:rPr lang="en-US" dirty="0" smtClean="0"/>
-                  <a:t> 2</a:t>
-                </a:r>
-                <a:endParaRPr lang="en-US" dirty="0"/>
-              </a:p>
-            </p:txBody>
-          </p:sp>
-          <p:sp>
-            <p:nvSpPr>
-              <p:cNvPr id="18" name="Rectangle 17"/>
-              <p:cNvSpPr/>
-              <p:nvPr/>
-            </p:nvSpPr>
-            <p:spPr>
-              <a:xfrm>
-                <a:off x="2667513" y="4338853"/>
-                <a:ext cx="1341785" cy="834887"/>
-              </a:xfrm>
-              <a:prstGeom prst="rect">
-                <a:avLst/>
-              </a:prstGeom>
+              <a:tailEnd type="triangle"/>
+            </a:ln>
+          </p:spPr>
+          <p:style>
+            <a:lnRef idx="1">
+              <a:schemeClr val="accent1"/>
+            </a:lnRef>
+            <a:fillRef idx="0">
+              <a:schemeClr val="accent1"/>
+            </a:fillRef>
+            <a:effectRef idx="0">
+              <a:schemeClr val="accent1"/>
+            </a:effectRef>
+            <a:fontRef idx="minor">
+              <a:schemeClr val="tx1"/>
+            </a:fontRef>
+          </p:style>
+        </p:cxnSp>
+        <p:cxnSp>
+          <p:nvCxnSpPr>
+            <p:cNvPr id="33" name="Elbow Connector 32"/>
+            <p:cNvCxnSpPr>
+              <a:stCxn id="18" idx="3"/>
+              <a:endCxn id="27" idx="1"/>
+            </p:cNvCxnSpPr>
+            <p:nvPr/>
+          </p:nvCxnSpPr>
+          <p:spPr>
+            <a:xfrm flipV="1">
+              <a:off x="1813267" y="3554912"/>
+              <a:ext cx="3624469" cy="949171"/>
+            </a:xfrm>
+            <a:prstGeom prst="bentConnector3">
+              <a:avLst>
+                <a:gd name="adj1" fmla="val 50000"/>
+              </a:avLst>
+            </a:prstGeom>
+            <a:ln w="38100">
               <a:solidFill>
-                <a:schemeClr val="accent2"/>
+                <a:schemeClr val="tx1"/>
               </a:solidFill>
-            </p:spPr>
-            <p:style>
-              <a:lnRef idx="2">
-                <a:schemeClr val="accent1">
-                  <a:shade val="50000"/>
-                </a:schemeClr>
-              </a:lnRef>
-              <a:fillRef idx="1">
-                <a:schemeClr val="accent1"/>
-              </a:fillRef>
-              <a:effectRef idx="0">
-                <a:schemeClr val="accent1"/>
-              </a:effectRef>
-              <a:fontRef idx="minor">
-                <a:schemeClr val="lt1"/>
-              </a:fontRef>
-            </p:style>
-            <p:txBody>
-              <a:bodyPr rtlCol="0" anchor="ctr"/>
-              <a:lstStyle/>
-              <a:p>
-                <a:pPr algn="ctr"/>
-                <a:r>
-                  <a:rPr lang="en-US" dirty="0" smtClean="0"/>
-                  <a:t>Pose Cam2</a:t>
-                </a:r>
-                <a:endParaRPr lang="en-US" dirty="0"/>
-              </a:p>
-            </p:txBody>
-          </p:sp>
-        </p:grpSp>
+              <a:tailEnd type="triangle"/>
+            </a:ln>
+          </p:spPr>
+          <p:style>
+            <a:lnRef idx="1">
+              <a:schemeClr val="accent1"/>
+            </a:lnRef>
+            <a:fillRef idx="0">
+              <a:schemeClr val="accent1"/>
+            </a:fillRef>
+            <a:effectRef idx="0">
+              <a:schemeClr val="accent1"/>
+            </a:effectRef>
+            <a:fontRef idx="minor">
+              <a:schemeClr val="tx1"/>
+            </a:fontRef>
+          </p:style>
+        </p:cxnSp>
+        <p:cxnSp>
+          <p:nvCxnSpPr>
+            <p:cNvPr id="36" name="Elbow Connector 35"/>
+            <p:cNvCxnSpPr>
+              <a:stCxn id="16" idx="3"/>
+              <a:endCxn id="27" idx="1"/>
+            </p:cNvCxnSpPr>
+            <p:nvPr/>
+          </p:nvCxnSpPr>
+          <p:spPr>
+            <a:xfrm flipV="1">
+              <a:off x="1813267" y="3554912"/>
+              <a:ext cx="3624469" cy="1885093"/>
+            </a:xfrm>
+            <a:prstGeom prst="bentConnector3">
+              <a:avLst>
+                <a:gd name="adj1" fmla="val 50000"/>
+              </a:avLst>
+            </a:prstGeom>
+            <a:ln w="38100">
+              <a:solidFill>
+                <a:schemeClr val="tx1"/>
+              </a:solidFill>
+              <a:tailEnd type="triangle"/>
+            </a:ln>
+          </p:spPr>
+          <p:style>
+            <a:lnRef idx="1">
+              <a:schemeClr val="accent1"/>
+            </a:lnRef>
+            <a:fillRef idx="0">
+              <a:schemeClr val="accent1"/>
+            </a:fillRef>
+            <a:effectRef idx="0">
+              <a:schemeClr val="accent1"/>
+            </a:effectRef>
+            <a:fontRef idx="minor">
+              <a:schemeClr val="tx1"/>
+            </a:fontRef>
+          </p:style>
+        </p:cxnSp>
       </p:grpSp>
-      <p:cxnSp>
-        <p:nvCxnSpPr>
-          <p:cNvPr id="28" name="Elbow Connector 27"/>
-          <p:cNvCxnSpPr>
-            <a:stCxn id="2" idx="3"/>
-            <a:endCxn id="27" idx="1"/>
-          </p:cNvCxnSpPr>
-          <p:nvPr/>
-        </p:nvCxnSpPr>
-        <p:spPr>
-          <a:xfrm>
-            <a:off x="1793391" y="2517933"/>
-            <a:ext cx="3644345" cy="1036979"/>
-          </a:xfrm>
-          <a:prstGeom prst="bentConnector3">
-            <a:avLst>
-              <a:gd name="adj1" fmla="val 50000"/>
-            </a:avLst>
-          </a:prstGeom>
-          <a:ln w="38100">
-            <a:solidFill>
-              <a:schemeClr val="tx1"/>
-            </a:solidFill>
-            <a:tailEnd type="triangle"/>
-          </a:ln>
-        </p:spPr>
-        <p:style>
-          <a:lnRef idx="1">
-            <a:schemeClr val="accent1"/>
-          </a:lnRef>
-          <a:fillRef idx="0">
-            <a:schemeClr val="accent1"/>
-          </a:fillRef>
-          <a:effectRef idx="0">
-            <a:schemeClr val="accent1"/>
-          </a:effectRef>
-          <a:fontRef idx="minor">
-            <a:schemeClr val="tx1"/>
-          </a:fontRef>
-        </p:style>
-      </p:cxnSp>
-      <p:cxnSp>
-        <p:nvCxnSpPr>
-          <p:cNvPr id="30" name="Elbow Connector 29"/>
-          <p:cNvCxnSpPr>
-            <a:stCxn id="15" idx="3"/>
-            <a:endCxn id="27" idx="1"/>
-          </p:cNvCxnSpPr>
-          <p:nvPr/>
-        </p:nvCxnSpPr>
-        <p:spPr>
-          <a:xfrm flipV="1">
-            <a:off x="1712217" y="3554912"/>
-            <a:ext cx="3725519" cy="3"/>
-          </a:xfrm>
-          <a:prstGeom prst="bentConnector3">
-            <a:avLst>
-              <a:gd name="adj1" fmla="val 50000"/>
-            </a:avLst>
-          </a:prstGeom>
-          <a:ln w="38100">
-            <a:solidFill>
-              <a:schemeClr val="tx1"/>
-            </a:solidFill>
-            <a:tailEnd type="triangle"/>
-          </a:ln>
-        </p:spPr>
-        <p:style>
-          <a:lnRef idx="1">
-            <a:schemeClr val="accent1"/>
-          </a:lnRef>
-          <a:fillRef idx="0">
-            <a:schemeClr val="accent1"/>
-          </a:fillRef>
-          <a:effectRef idx="0">
-            <a:schemeClr val="accent1"/>
-          </a:effectRef>
-          <a:fontRef idx="minor">
-            <a:schemeClr val="tx1"/>
-          </a:fontRef>
-        </p:style>
-      </p:cxnSp>
-      <p:cxnSp>
-        <p:nvCxnSpPr>
-          <p:cNvPr id="33" name="Elbow Connector 32"/>
-          <p:cNvCxnSpPr>
-            <a:stCxn id="18" idx="3"/>
-            <a:endCxn id="27" idx="1"/>
-          </p:cNvCxnSpPr>
-          <p:nvPr/>
-        </p:nvCxnSpPr>
-        <p:spPr>
-          <a:xfrm flipV="1">
-            <a:off x="1813267" y="3554912"/>
-            <a:ext cx="3624469" cy="949171"/>
-          </a:xfrm>
-          <a:prstGeom prst="bentConnector3">
-            <a:avLst>
-              <a:gd name="adj1" fmla="val 50000"/>
-            </a:avLst>
-          </a:prstGeom>
-          <a:ln w="38100">
-            <a:solidFill>
-              <a:schemeClr val="tx1"/>
-            </a:solidFill>
-            <a:tailEnd type="triangle"/>
-          </a:ln>
-        </p:spPr>
-        <p:style>
-          <a:lnRef idx="1">
-            <a:schemeClr val="accent1"/>
-          </a:lnRef>
-          <a:fillRef idx="0">
-            <a:schemeClr val="accent1"/>
-          </a:fillRef>
-          <a:effectRef idx="0">
-            <a:schemeClr val="accent1"/>
-          </a:effectRef>
-          <a:fontRef idx="minor">
-            <a:schemeClr val="tx1"/>
-          </a:fontRef>
-        </p:style>
-      </p:cxnSp>
-      <p:cxnSp>
-        <p:nvCxnSpPr>
-          <p:cNvPr id="36" name="Elbow Connector 35"/>
-          <p:cNvCxnSpPr>
-            <a:stCxn id="16" idx="3"/>
-            <a:endCxn id="27" idx="1"/>
-          </p:cNvCxnSpPr>
-          <p:nvPr/>
-        </p:nvCxnSpPr>
-        <p:spPr>
-          <a:xfrm flipV="1">
-            <a:off x="1813267" y="3554912"/>
-            <a:ext cx="3624469" cy="1885093"/>
-          </a:xfrm>
-          <a:prstGeom prst="bentConnector3">
-            <a:avLst>
-              <a:gd name="adj1" fmla="val 50000"/>
-            </a:avLst>
-          </a:prstGeom>
-          <a:ln w="38100">
-            <a:solidFill>
-              <a:schemeClr val="tx1"/>
-            </a:solidFill>
-            <a:tailEnd type="triangle"/>
-          </a:ln>
-        </p:spPr>
-        <p:style>
-          <a:lnRef idx="1">
-            <a:schemeClr val="accent1"/>
-          </a:lnRef>
-          <a:fillRef idx="0">
-            <a:schemeClr val="accent1"/>
-          </a:fillRef>
-          <a:effectRef idx="0">
-            <a:schemeClr val="accent1"/>
-          </a:effectRef>
-          <a:fontRef idx="minor">
-            <a:schemeClr val="tx1"/>
-          </a:fontRef>
-        </p:style>
-      </p:cxnSp>
     </p:spTree>
     <p:extLst>
       <p:ext uri="{BB962C8B-B14F-4D97-AF65-F5344CB8AC3E}">
